--- a/Presentation/Special Topic - Mini-Review 2 - Project Progress - Aug - Dec 2020 (2).pptx
+++ b/Presentation/Special Topic - Mini-Review 2 - Project Progress - Aug - Dec 2020 (2).pptx
@@ -179,7 +179,7 @@
                     <a:srgbClr val="FFFFFF"/>
                   </a:solidFill>
                 </a:uFill>
-                <a:latin typeface="Arial"/>
+                <a:latin typeface="Arial" panose="020B0604020202020204"/>
               </a:rPr>
               <a:t>Click to edit the notes format</a:t>
             </a:r>
@@ -219,7 +219,7 @@
                     <a:srgbClr val="FFFFFF"/>
                   </a:solidFill>
                 </a:uFill>
-                <a:latin typeface="Times New Roman"/>
+                <a:latin typeface="Times New Roman" panose="02020603050405020304"/>
               </a:rPr>
               <a:t> </a:t>
             </a:r>
@@ -260,7 +260,7 @@
                     <a:srgbClr val="FFFFFF"/>
                   </a:solidFill>
                 </a:uFill>
-                <a:latin typeface="Times New Roman"/>
+                <a:latin typeface="Times New Roman" panose="02020603050405020304"/>
               </a:rPr>
               <a:t> </a:t>
             </a:r>
@@ -300,7 +300,7 @@
                     <a:srgbClr val="FFFFFF"/>
                   </a:solidFill>
                 </a:uFill>
-                <a:latin typeface="Times New Roman"/>
+                <a:latin typeface="Times New Roman" panose="02020603050405020304"/>
               </a:rPr>
               <a:t> </a:t>
             </a:r>
@@ -341,7 +341,7 @@
                     <a:srgbClr val="FFFFFF"/>
                   </a:solidFill>
                 </a:uFill>
-                <a:latin typeface="Times New Roman"/>
+                <a:latin typeface="Times New Roman" panose="02020603050405020304"/>
               </a:rPr>
               <a:t>‹#›</a:t>
             </a:fld>
@@ -354,7 +354,7 @@
                   <a:srgbClr val="FFFFFF"/>
                 </a:solidFill>
               </a:uFill>
-              <a:latin typeface="Times New Roman"/>
+              <a:latin typeface="Times New Roman" panose="02020603050405020304"/>
             </a:endParaRPr>
           </a:p>
         </p:txBody>
@@ -506,7 +506,7 @@
                   <a:srgbClr val="FFFFFF"/>
                 </a:solidFill>
               </a:uFill>
-              <a:latin typeface="Arial"/>
+              <a:latin typeface="Arial" panose="020B0604020202020204"/>
             </a:endParaRPr>
           </a:p>
         </p:txBody>
@@ -600,7 +600,7 @@
                   <a:srgbClr val="FFFFFF"/>
                 </a:solidFill>
               </a:uFill>
-              <a:latin typeface="Arial"/>
+              <a:latin typeface="Arial" panose="020B0604020202020204"/>
             </a:endParaRPr>
           </a:p>
         </p:txBody>
@@ -694,7 +694,7 @@
                   <a:srgbClr val="FFFFFF"/>
                 </a:solidFill>
               </a:uFill>
-              <a:latin typeface="Arial"/>
+              <a:latin typeface="Arial" panose="020B0604020202020204"/>
             </a:endParaRPr>
           </a:p>
         </p:txBody>
@@ -788,7 +788,7 @@
                   <a:srgbClr val="FFFFFF"/>
                 </a:solidFill>
               </a:uFill>
-              <a:latin typeface="Arial"/>
+              <a:latin typeface="Arial" panose="020B0604020202020204"/>
             </a:endParaRPr>
           </a:p>
         </p:txBody>
@@ -908,7 +908,7 @@
                   <a:srgbClr val="FFFFFF"/>
                 </a:solidFill>
               </a:uFill>
-              <a:latin typeface="Arial"/>
+              <a:latin typeface="Arial" panose="020B0604020202020204"/>
             </a:endParaRPr>
           </a:p>
         </p:txBody>
@@ -945,7 +945,7 @@
                   <a:srgbClr val="FFFFFF"/>
                 </a:solidFill>
               </a:uFill>
-              <a:latin typeface="Arial"/>
+              <a:latin typeface="Arial" panose="020B0604020202020204"/>
             </a:endParaRPr>
           </a:p>
         </p:txBody>
@@ -982,7 +982,7 @@
                   <a:srgbClr val="FFFFFF"/>
                 </a:solidFill>
               </a:uFill>
-              <a:latin typeface="Arial"/>
+              <a:latin typeface="Arial" panose="020B0604020202020204"/>
             </a:endParaRPr>
           </a:p>
         </p:txBody>
@@ -1045,7 +1045,7 @@
                   <a:srgbClr val="FFFFFF"/>
                 </a:solidFill>
               </a:uFill>
-              <a:latin typeface="Arial"/>
+              <a:latin typeface="Arial" panose="020B0604020202020204"/>
             </a:endParaRPr>
           </a:p>
         </p:txBody>
@@ -1082,7 +1082,7 @@
                   <a:srgbClr val="FFFFFF"/>
                 </a:solidFill>
               </a:uFill>
-              <a:latin typeface="Arial"/>
+              <a:latin typeface="Arial" panose="020B0604020202020204"/>
             </a:endParaRPr>
           </a:p>
         </p:txBody>
@@ -1119,7 +1119,7 @@
                   <a:srgbClr val="FFFFFF"/>
                 </a:solidFill>
               </a:uFill>
-              <a:latin typeface="Arial"/>
+              <a:latin typeface="Arial" panose="020B0604020202020204"/>
             </a:endParaRPr>
           </a:p>
         </p:txBody>
@@ -1156,7 +1156,7 @@
                   <a:srgbClr val="FFFFFF"/>
                 </a:solidFill>
               </a:uFill>
-              <a:latin typeface="Arial"/>
+              <a:latin typeface="Arial" panose="020B0604020202020204"/>
             </a:endParaRPr>
           </a:p>
         </p:txBody>
@@ -1193,7 +1193,7 @@
                   <a:srgbClr val="FFFFFF"/>
                 </a:solidFill>
               </a:uFill>
-              <a:latin typeface="Arial"/>
+              <a:latin typeface="Arial" panose="020B0604020202020204"/>
             </a:endParaRPr>
           </a:p>
         </p:txBody>
@@ -1256,7 +1256,7 @@
                   <a:srgbClr val="FFFFFF"/>
                 </a:solidFill>
               </a:uFill>
-              <a:latin typeface="Arial"/>
+              <a:latin typeface="Arial" panose="020B0604020202020204"/>
             </a:endParaRPr>
           </a:p>
         </p:txBody>
@@ -1293,7 +1293,7 @@
                   <a:srgbClr val="FFFFFF"/>
                 </a:solidFill>
               </a:uFill>
-              <a:latin typeface="Arial"/>
+              <a:latin typeface="Arial" panose="020B0604020202020204"/>
             </a:endParaRPr>
           </a:p>
         </p:txBody>
@@ -1330,7 +1330,7 @@
                   <a:srgbClr val="FFFFFF"/>
                 </a:solidFill>
               </a:uFill>
-              <a:latin typeface="Arial"/>
+              <a:latin typeface="Arial" panose="020B0604020202020204"/>
             </a:endParaRPr>
           </a:p>
         </p:txBody>
@@ -1343,7 +1343,9 @@
         </p:nvPicPr>
         <p:blipFill>
           <a:blip r:embed="rId2"/>
-          <a:stretch/>
+          <a:stretch>
+            <a:fillRect/>
+          </a:stretch>
         </p:blipFill>
         <p:spPr>
           <a:xfrm>
@@ -1366,7 +1368,9 @@
         </p:nvPicPr>
         <p:blipFill>
           <a:blip r:embed="rId2"/>
-          <a:stretch/>
+          <a:stretch>
+            <a:fillRect/>
+          </a:stretch>
         </p:blipFill>
         <p:spPr>
           <a:xfrm>
@@ -1464,7 +1468,7 @@
                   <a:srgbClr val="FFFFFF"/>
                 </a:solidFill>
               </a:uFill>
-              <a:latin typeface="Arial"/>
+              <a:latin typeface="Arial" panose="020B0604020202020204"/>
             </a:endParaRPr>
           </a:p>
         </p:txBody>
@@ -1502,7 +1506,7 @@
                   <a:srgbClr val="FFFFFF"/>
                 </a:solidFill>
               </a:uFill>
-              <a:latin typeface="Arial"/>
+              <a:latin typeface="Arial" panose="020B0604020202020204"/>
             </a:endParaRPr>
           </a:p>
         </p:txBody>
@@ -1565,7 +1569,7 @@
                   <a:srgbClr val="FFFFFF"/>
                 </a:solidFill>
               </a:uFill>
-              <a:latin typeface="Arial"/>
+              <a:latin typeface="Arial" panose="020B0604020202020204"/>
             </a:endParaRPr>
           </a:p>
         </p:txBody>
@@ -1602,7 +1606,7 @@
                   <a:srgbClr val="FFFFFF"/>
                 </a:solidFill>
               </a:uFill>
-              <a:latin typeface="Arial"/>
+              <a:latin typeface="Arial" panose="020B0604020202020204"/>
             </a:endParaRPr>
           </a:p>
         </p:txBody>
@@ -1665,7 +1669,7 @@
                   <a:srgbClr val="FFFFFF"/>
                 </a:solidFill>
               </a:uFill>
-              <a:latin typeface="Arial"/>
+              <a:latin typeface="Arial" panose="020B0604020202020204"/>
             </a:endParaRPr>
           </a:p>
         </p:txBody>
@@ -1702,7 +1706,7 @@
                   <a:srgbClr val="FFFFFF"/>
                 </a:solidFill>
               </a:uFill>
-              <a:latin typeface="Arial"/>
+              <a:latin typeface="Arial" panose="020B0604020202020204"/>
             </a:endParaRPr>
           </a:p>
         </p:txBody>
@@ -1739,7 +1743,7 @@
                   <a:srgbClr val="FFFFFF"/>
                 </a:solidFill>
               </a:uFill>
-              <a:latin typeface="Arial"/>
+              <a:latin typeface="Arial" panose="020B0604020202020204"/>
             </a:endParaRPr>
           </a:p>
         </p:txBody>
@@ -1802,7 +1806,7 @@
                   <a:srgbClr val="FFFFFF"/>
                 </a:solidFill>
               </a:uFill>
-              <a:latin typeface="Arial"/>
+              <a:latin typeface="Arial" panose="020B0604020202020204"/>
             </a:endParaRPr>
           </a:p>
         </p:txBody>
@@ -1865,7 +1869,7 @@
                   <a:srgbClr val="FFFFFF"/>
                 </a:solidFill>
               </a:uFill>
-              <a:latin typeface="Arial"/>
+              <a:latin typeface="Arial" panose="020B0604020202020204"/>
             </a:endParaRPr>
           </a:p>
         </p:txBody>
@@ -1928,7 +1932,7 @@
                   <a:srgbClr val="FFFFFF"/>
                 </a:solidFill>
               </a:uFill>
-              <a:latin typeface="Arial"/>
+              <a:latin typeface="Arial" panose="020B0604020202020204"/>
             </a:endParaRPr>
           </a:p>
         </p:txBody>
@@ -1965,7 +1969,7 @@
                   <a:srgbClr val="FFFFFF"/>
                 </a:solidFill>
               </a:uFill>
-              <a:latin typeface="Arial"/>
+              <a:latin typeface="Arial" panose="020B0604020202020204"/>
             </a:endParaRPr>
           </a:p>
         </p:txBody>
@@ -2002,7 +2006,7 @@
                   <a:srgbClr val="FFFFFF"/>
                 </a:solidFill>
               </a:uFill>
-              <a:latin typeface="Arial"/>
+              <a:latin typeface="Arial" panose="020B0604020202020204"/>
             </a:endParaRPr>
           </a:p>
         </p:txBody>
@@ -2039,7 +2043,7 @@
                   <a:srgbClr val="FFFFFF"/>
                 </a:solidFill>
               </a:uFill>
-              <a:latin typeface="Arial"/>
+              <a:latin typeface="Arial" panose="020B0604020202020204"/>
             </a:endParaRPr>
           </a:p>
         </p:txBody>
@@ -2102,7 +2106,7 @@
                   <a:srgbClr val="FFFFFF"/>
                 </a:solidFill>
               </a:uFill>
-              <a:latin typeface="Arial"/>
+              <a:latin typeface="Arial" panose="020B0604020202020204"/>
             </a:endParaRPr>
           </a:p>
         </p:txBody>
@@ -2140,7 +2144,7 @@
                   <a:srgbClr val="FFFFFF"/>
                 </a:solidFill>
               </a:uFill>
-              <a:latin typeface="Arial"/>
+              <a:latin typeface="Arial" panose="020B0604020202020204"/>
             </a:endParaRPr>
           </a:p>
         </p:txBody>
@@ -2203,7 +2207,7 @@
                   <a:srgbClr val="FFFFFF"/>
                 </a:solidFill>
               </a:uFill>
-              <a:latin typeface="Arial"/>
+              <a:latin typeface="Arial" panose="020B0604020202020204"/>
             </a:endParaRPr>
           </a:p>
         </p:txBody>
@@ -2240,7 +2244,7 @@
                   <a:srgbClr val="FFFFFF"/>
                 </a:solidFill>
               </a:uFill>
-              <a:latin typeface="Arial"/>
+              <a:latin typeface="Arial" panose="020B0604020202020204"/>
             </a:endParaRPr>
           </a:p>
         </p:txBody>
@@ -2277,7 +2281,7 @@
                   <a:srgbClr val="FFFFFF"/>
                 </a:solidFill>
               </a:uFill>
-              <a:latin typeface="Arial"/>
+              <a:latin typeface="Arial" panose="020B0604020202020204"/>
             </a:endParaRPr>
           </a:p>
         </p:txBody>
@@ -2314,7 +2318,7 @@
                   <a:srgbClr val="FFFFFF"/>
                 </a:solidFill>
               </a:uFill>
-              <a:latin typeface="Arial"/>
+              <a:latin typeface="Arial" panose="020B0604020202020204"/>
             </a:endParaRPr>
           </a:p>
         </p:txBody>
@@ -2377,7 +2381,7 @@
                   <a:srgbClr val="FFFFFF"/>
                 </a:solidFill>
               </a:uFill>
-              <a:latin typeface="Arial"/>
+              <a:latin typeface="Arial" panose="020B0604020202020204"/>
             </a:endParaRPr>
           </a:p>
         </p:txBody>
@@ -2414,7 +2418,7 @@
                   <a:srgbClr val="FFFFFF"/>
                 </a:solidFill>
               </a:uFill>
-              <a:latin typeface="Arial"/>
+              <a:latin typeface="Arial" panose="020B0604020202020204"/>
             </a:endParaRPr>
           </a:p>
         </p:txBody>
@@ -2451,7 +2455,7 @@
                   <a:srgbClr val="FFFFFF"/>
                 </a:solidFill>
               </a:uFill>
-              <a:latin typeface="Arial"/>
+              <a:latin typeface="Arial" panose="020B0604020202020204"/>
             </a:endParaRPr>
           </a:p>
         </p:txBody>
@@ -2488,7 +2492,7 @@
                   <a:srgbClr val="FFFFFF"/>
                 </a:solidFill>
               </a:uFill>
-              <a:latin typeface="Arial"/>
+              <a:latin typeface="Arial" panose="020B0604020202020204"/>
             </a:endParaRPr>
           </a:p>
         </p:txBody>
@@ -2551,7 +2555,7 @@
                   <a:srgbClr val="FFFFFF"/>
                 </a:solidFill>
               </a:uFill>
-              <a:latin typeface="Arial"/>
+              <a:latin typeface="Arial" panose="020B0604020202020204"/>
             </a:endParaRPr>
           </a:p>
         </p:txBody>
@@ -2588,7 +2592,7 @@
                   <a:srgbClr val="FFFFFF"/>
                 </a:solidFill>
               </a:uFill>
-              <a:latin typeface="Arial"/>
+              <a:latin typeface="Arial" panose="020B0604020202020204"/>
             </a:endParaRPr>
           </a:p>
         </p:txBody>
@@ -2625,7 +2629,7 @@
                   <a:srgbClr val="FFFFFF"/>
                 </a:solidFill>
               </a:uFill>
-              <a:latin typeface="Arial"/>
+              <a:latin typeface="Arial" panose="020B0604020202020204"/>
             </a:endParaRPr>
           </a:p>
         </p:txBody>
@@ -2688,7 +2692,7 @@
                   <a:srgbClr val="FFFFFF"/>
                 </a:solidFill>
               </a:uFill>
-              <a:latin typeface="Arial"/>
+              <a:latin typeface="Arial" panose="020B0604020202020204"/>
             </a:endParaRPr>
           </a:p>
         </p:txBody>
@@ -2725,7 +2729,7 @@
                   <a:srgbClr val="FFFFFF"/>
                 </a:solidFill>
               </a:uFill>
-              <a:latin typeface="Arial"/>
+              <a:latin typeface="Arial" panose="020B0604020202020204"/>
             </a:endParaRPr>
           </a:p>
         </p:txBody>
@@ -2762,7 +2766,7 @@
                   <a:srgbClr val="FFFFFF"/>
                 </a:solidFill>
               </a:uFill>
-              <a:latin typeface="Arial"/>
+              <a:latin typeface="Arial" panose="020B0604020202020204"/>
             </a:endParaRPr>
           </a:p>
         </p:txBody>
@@ -2799,7 +2803,7 @@
                   <a:srgbClr val="FFFFFF"/>
                 </a:solidFill>
               </a:uFill>
-              <a:latin typeface="Arial"/>
+              <a:latin typeface="Arial" panose="020B0604020202020204"/>
             </a:endParaRPr>
           </a:p>
         </p:txBody>
@@ -2836,7 +2840,7 @@
                   <a:srgbClr val="FFFFFF"/>
                 </a:solidFill>
               </a:uFill>
-              <a:latin typeface="Arial"/>
+              <a:latin typeface="Arial" panose="020B0604020202020204"/>
             </a:endParaRPr>
           </a:p>
         </p:txBody>
@@ -2899,7 +2903,7 @@
                   <a:srgbClr val="FFFFFF"/>
                 </a:solidFill>
               </a:uFill>
-              <a:latin typeface="Arial"/>
+              <a:latin typeface="Arial" panose="020B0604020202020204"/>
             </a:endParaRPr>
           </a:p>
         </p:txBody>
@@ -2936,7 +2940,7 @@
                   <a:srgbClr val="FFFFFF"/>
                 </a:solidFill>
               </a:uFill>
-              <a:latin typeface="Arial"/>
+              <a:latin typeface="Arial" panose="020B0604020202020204"/>
             </a:endParaRPr>
           </a:p>
         </p:txBody>
@@ -2973,7 +2977,7 @@
                   <a:srgbClr val="FFFFFF"/>
                 </a:solidFill>
               </a:uFill>
-              <a:latin typeface="Arial"/>
+              <a:latin typeface="Arial" panose="020B0604020202020204"/>
             </a:endParaRPr>
           </a:p>
         </p:txBody>
@@ -2986,7 +2990,9 @@
         </p:nvPicPr>
         <p:blipFill>
           <a:blip r:embed="rId2"/>
-          <a:stretch/>
+          <a:stretch>
+            <a:fillRect/>
+          </a:stretch>
         </p:blipFill>
         <p:spPr>
           <a:xfrm>
@@ -3009,7 +3015,9 @@
         </p:nvPicPr>
         <p:blipFill>
           <a:blip r:embed="rId2"/>
-          <a:stretch/>
+          <a:stretch>
+            <a:fillRect/>
+          </a:stretch>
         </p:blipFill>
         <p:spPr>
           <a:xfrm>
@@ -3107,7 +3115,7 @@
                   <a:srgbClr val="FFFFFF"/>
                 </a:solidFill>
               </a:uFill>
-              <a:latin typeface="Arial"/>
+              <a:latin typeface="Arial" panose="020B0604020202020204"/>
             </a:endParaRPr>
           </a:p>
         </p:txBody>
@@ -3145,7 +3153,7 @@
                   <a:srgbClr val="FFFFFF"/>
                 </a:solidFill>
               </a:uFill>
-              <a:latin typeface="Arial"/>
+              <a:latin typeface="Arial" panose="020B0604020202020204"/>
             </a:endParaRPr>
           </a:p>
         </p:txBody>
@@ -3208,7 +3216,7 @@
                   <a:srgbClr val="FFFFFF"/>
                 </a:solidFill>
               </a:uFill>
-              <a:latin typeface="Arial"/>
+              <a:latin typeface="Arial" panose="020B0604020202020204"/>
             </a:endParaRPr>
           </a:p>
         </p:txBody>
@@ -3245,7 +3253,7 @@
                   <a:srgbClr val="FFFFFF"/>
                 </a:solidFill>
               </a:uFill>
-              <a:latin typeface="Arial"/>
+              <a:latin typeface="Arial" panose="020B0604020202020204"/>
             </a:endParaRPr>
           </a:p>
         </p:txBody>
@@ -3308,7 +3316,7 @@
                   <a:srgbClr val="FFFFFF"/>
                 </a:solidFill>
               </a:uFill>
-              <a:latin typeface="Arial"/>
+              <a:latin typeface="Arial" panose="020B0604020202020204"/>
             </a:endParaRPr>
           </a:p>
         </p:txBody>
@@ -3345,7 +3353,7 @@
                   <a:srgbClr val="FFFFFF"/>
                 </a:solidFill>
               </a:uFill>
-              <a:latin typeface="Arial"/>
+              <a:latin typeface="Arial" panose="020B0604020202020204"/>
             </a:endParaRPr>
           </a:p>
         </p:txBody>
@@ -3382,7 +3390,7 @@
                   <a:srgbClr val="FFFFFF"/>
                 </a:solidFill>
               </a:uFill>
-              <a:latin typeface="Arial"/>
+              <a:latin typeface="Arial" panose="020B0604020202020204"/>
             </a:endParaRPr>
           </a:p>
         </p:txBody>
@@ -3445,7 +3453,7 @@
                   <a:srgbClr val="FFFFFF"/>
                 </a:solidFill>
               </a:uFill>
-              <a:latin typeface="Arial"/>
+              <a:latin typeface="Arial" panose="020B0604020202020204"/>
             </a:endParaRPr>
           </a:p>
         </p:txBody>
@@ -3508,7 +3516,7 @@
                   <a:srgbClr val="FFFFFF"/>
                 </a:solidFill>
               </a:uFill>
-              <a:latin typeface="Arial"/>
+              <a:latin typeface="Arial" panose="020B0604020202020204"/>
             </a:endParaRPr>
           </a:p>
         </p:txBody>
@@ -3545,7 +3553,7 @@
                   <a:srgbClr val="FFFFFF"/>
                 </a:solidFill>
               </a:uFill>
-              <a:latin typeface="Arial"/>
+              <a:latin typeface="Arial" panose="020B0604020202020204"/>
             </a:endParaRPr>
           </a:p>
         </p:txBody>
@@ -3608,7 +3616,7 @@
                   <a:srgbClr val="FFFFFF"/>
                 </a:solidFill>
               </a:uFill>
-              <a:latin typeface="Arial"/>
+              <a:latin typeface="Arial" panose="020B0604020202020204"/>
             </a:endParaRPr>
           </a:p>
         </p:txBody>
@@ -3671,7 +3679,7 @@
                   <a:srgbClr val="FFFFFF"/>
                 </a:solidFill>
               </a:uFill>
-              <a:latin typeface="Arial"/>
+              <a:latin typeface="Arial" panose="020B0604020202020204"/>
             </a:endParaRPr>
           </a:p>
         </p:txBody>
@@ -3708,7 +3716,7 @@
                   <a:srgbClr val="FFFFFF"/>
                 </a:solidFill>
               </a:uFill>
-              <a:latin typeface="Arial"/>
+              <a:latin typeface="Arial" panose="020B0604020202020204"/>
             </a:endParaRPr>
           </a:p>
         </p:txBody>
@@ -3745,7 +3753,7 @@
                   <a:srgbClr val="FFFFFF"/>
                 </a:solidFill>
               </a:uFill>
-              <a:latin typeface="Arial"/>
+              <a:latin typeface="Arial" panose="020B0604020202020204"/>
             </a:endParaRPr>
           </a:p>
         </p:txBody>
@@ -3782,7 +3790,7 @@
                   <a:srgbClr val="FFFFFF"/>
                 </a:solidFill>
               </a:uFill>
-              <a:latin typeface="Arial"/>
+              <a:latin typeface="Arial" panose="020B0604020202020204"/>
             </a:endParaRPr>
           </a:p>
         </p:txBody>
@@ -3845,7 +3853,7 @@
                   <a:srgbClr val="FFFFFF"/>
                 </a:solidFill>
               </a:uFill>
-              <a:latin typeface="Arial"/>
+              <a:latin typeface="Arial" panose="020B0604020202020204"/>
             </a:endParaRPr>
           </a:p>
         </p:txBody>
@@ -3882,7 +3890,7 @@
                   <a:srgbClr val="FFFFFF"/>
                 </a:solidFill>
               </a:uFill>
-              <a:latin typeface="Arial"/>
+              <a:latin typeface="Arial" panose="020B0604020202020204"/>
             </a:endParaRPr>
           </a:p>
         </p:txBody>
@@ -3919,7 +3927,7 @@
                   <a:srgbClr val="FFFFFF"/>
                 </a:solidFill>
               </a:uFill>
-              <a:latin typeface="Arial"/>
+              <a:latin typeface="Arial" panose="020B0604020202020204"/>
             </a:endParaRPr>
           </a:p>
         </p:txBody>
@@ -3956,7 +3964,7 @@
                   <a:srgbClr val="FFFFFF"/>
                 </a:solidFill>
               </a:uFill>
-              <a:latin typeface="Arial"/>
+              <a:latin typeface="Arial" panose="020B0604020202020204"/>
             </a:endParaRPr>
           </a:p>
         </p:txBody>
@@ -4019,7 +4027,7 @@
                   <a:srgbClr val="FFFFFF"/>
                 </a:solidFill>
               </a:uFill>
-              <a:latin typeface="Arial"/>
+              <a:latin typeface="Arial" panose="020B0604020202020204"/>
             </a:endParaRPr>
           </a:p>
         </p:txBody>
@@ -4056,7 +4064,7 @@
                   <a:srgbClr val="FFFFFF"/>
                 </a:solidFill>
               </a:uFill>
-              <a:latin typeface="Arial"/>
+              <a:latin typeface="Arial" panose="020B0604020202020204"/>
             </a:endParaRPr>
           </a:p>
         </p:txBody>
@@ -4093,7 +4101,7 @@
                   <a:srgbClr val="FFFFFF"/>
                 </a:solidFill>
               </a:uFill>
-              <a:latin typeface="Arial"/>
+              <a:latin typeface="Arial" panose="020B0604020202020204"/>
             </a:endParaRPr>
           </a:p>
         </p:txBody>
@@ -4130,7 +4138,7 @@
                   <a:srgbClr val="FFFFFF"/>
                 </a:solidFill>
               </a:uFill>
-              <a:latin typeface="Arial"/>
+              <a:latin typeface="Arial" panose="020B0604020202020204"/>
             </a:endParaRPr>
           </a:p>
         </p:txBody>
@@ -4193,7 +4201,7 @@
                   <a:srgbClr val="FFFFFF"/>
                 </a:solidFill>
               </a:uFill>
-              <a:latin typeface="Arial"/>
+              <a:latin typeface="Arial" panose="020B0604020202020204"/>
             </a:endParaRPr>
           </a:p>
         </p:txBody>
@@ -4230,7 +4238,7 @@
                   <a:srgbClr val="FFFFFF"/>
                 </a:solidFill>
               </a:uFill>
-              <a:latin typeface="Arial"/>
+              <a:latin typeface="Arial" panose="020B0604020202020204"/>
             </a:endParaRPr>
           </a:p>
         </p:txBody>
@@ -4267,7 +4275,7 @@
                   <a:srgbClr val="FFFFFF"/>
                 </a:solidFill>
               </a:uFill>
-              <a:latin typeface="Arial"/>
+              <a:latin typeface="Arial" panose="020B0604020202020204"/>
             </a:endParaRPr>
           </a:p>
         </p:txBody>
@@ -4330,7 +4338,7 @@
                   <a:srgbClr val="FFFFFF"/>
                 </a:solidFill>
               </a:uFill>
-              <a:latin typeface="Arial"/>
+              <a:latin typeface="Arial" panose="020B0604020202020204"/>
             </a:endParaRPr>
           </a:p>
         </p:txBody>
@@ -4367,7 +4375,7 @@
                   <a:srgbClr val="FFFFFF"/>
                 </a:solidFill>
               </a:uFill>
-              <a:latin typeface="Arial"/>
+              <a:latin typeface="Arial" panose="020B0604020202020204"/>
             </a:endParaRPr>
           </a:p>
         </p:txBody>
@@ -4404,7 +4412,7 @@
                   <a:srgbClr val="FFFFFF"/>
                 </a:solidFill>
               </a:uFill>
-              <a:latin typeface="Arial"/>
+              <a:latin typeface="Arial" panose="020B0604020202020204"/>
             </a:endParaRPr>
           </a:p>
         </p:txBody>
@@ -4441,7 +4449,7 @@
                   <a:srgbClr val="FFFFFF"/>
                 </a:solidFill>
               </a:uFill>
-              <a:latin typeface="Arial"/>
+              <a:latin typeface="Arial" panose="020B0604020202020204"/>
             </a:endParaRPr>
           </a:p>
         </p:txBody>
@@ -4478,7 +4486,7 @@
                   <a:srgbClr val="FFFFFF"/>
                 </a:solidFill>
               </a:uFill>
-              <a:latin typeface="Arial"/>
+              <a:latin typeface="Arial" panose="020B0604020202020204"/>
             </a:endParaRPr>
           </a:p>
         </p:txBody>
@@ -4541,7 +4549,7 @@
                   <a:srgbClr val="FFFFFF"/>
                 </a:solidFill>
               </a:uFill>
-              <a:latin typeface="Arial"/>
+              <a:latin typeface="Arial" panose="020B0604020202020204"/>
             </a:endParaRPr>
           </a:p>
         </p:txBody>
@@ -4578,7 +4586,7 @@
                   <a:srgbClr val="FFFFFF"/>
                 </a:solidFill>
               </a:uFill>
-              <a:latin typeface="Arial"/>
+              <a:latin typeface="Arial" panose="020B0604020202020204"/>
             </a:endParaRPr>
           </a:p>
         </p:txBody>
@@ -4615,7 +4623,7 @@
                   <a:srgbClr val="FFFFFF"/>
                 </a:solidFill>
               </a:uFill>
-              <a:latin typeface="Arial"/>
+              <a:latin typeface="Arial" panose="020B0604020202020204"/>
             </a:endParaRPr>
           </a:p>
         </p:txBody>
@@ -4628,7 +4636,9 @@
         </p:nvPicPr>
         <p:blipFill>
           <a:blip r:embed="rId2"/>
-          <a:stretch/>
+          <a:stretch>
+            <a:fillRect/>
+          </a:stretch>
         </p:blipFill>
         <p:spPr>
           <a:xfrm>
@@ -4651,7 +4661,9 @@
         </p:nvPicPr>
         <p:blipFill>
           <a:blip r:embed="rId2"/>
-          <a:stretch/>
+          <a:stretch>
+            <a:fillRect/>
+          </a:stretch>
         </p:blipFill>
         <p:spPr>
           <a:xfrm>
@@ -4724,7 +4736,7 @@
                   <a:srgbClr val="FFFFFF"/>
                 </a:solidFill>
               </a:uFill>
-              <a:latin typeface="Arial"/>
+              <a:latin typeface="Arial" panose="020B0604020202020204"/>
             </a:endParaRPr>
           </a:p>
         </p:txBody>
@@ -4761,7 +4773,7 @@
                   <a:srgbClr val="FFFFFF"/>
                 </a:solidFill>
               </a:uFill>
-              <a:latin typeface="Arial"/>
+              <a:latin typeface="Arial" panose="020B0604020202020204"/>
             </a:endParaRPr>
           </a:p>
         </p:txBody>
@@ -4798,7 +4810,7 @@
                   <a:srgbClr val="FFFFFF"/>
                 </a:solidFill>
               </a:uFill>
-              <a:latin typeface="Arial"/>
+              <a:latin typeface="Arial" panose="020B0604020202020204"/>
             </a:endParaRPr>
           </a:p>
         </p:txBody>
@@ -4861,7 +4873,7 @@
                   <a:srgbClr val="FFFFFF"/>
                 </a:solidFill>
               </a:uFill>
-              <a:latin typeface="Arial"/>
+              <a:latin typeface="Arial" panose="020B0604020202020204"/>
             </a:endParaRPr>
           </a:p>
         </p:txBody>
@@ -4924,7 +4936,7 @@
                   <a:srgbClr val="FFFFFF"/>
                 </a:solidFill>
               </a:uFill>
-              <a:latin typeface="Arial"/>
+              <a:latin typeface="Arial" panose="020B0604020202020204"/>
             </a:endParaRPr>
           </a:p>
         </p:txBody>
@@ -4987,7 +4999,7 @@
                   <a:srgbClr val="FFFFFF"/>
                 </a:solidFill>
               </a:uFill>
-              <a:latin typeface="Arial"/>
+              <a:latin typeface="Arial" panose="020B0604020202020204"/>
             </a:endParaRPr>
           </a:p>
         </p:txBody>
@@ -5024,7 +5036,7 @@
                   <a:srgbClr val="FFFFFF"/>
                 </a:solidFill>
               </a:uFill>
-              <a:latin typeface="Arial"/>
+              <a:latin typeface="Arial" panose="020B0604020202020204"/>
             </a:endParaRPr>
           </a:p>
         </p:txBody>
@@ -5061,7 +5073,7 @@
                   <a:srgbClr val="FFFFFF"/>
                 </a:solidFill>
               </a:uFill>
-              <a:latin typeface="Arial"/>
+              <a:latin typeface="Arial" panose="020B0604020202020204"/>
             </a:endParaRPr>
           </a:p>
         </p:txBody>
@@ -5098,7 +5110,7 @@
                   <a:srgbClr val="FFFFFF"/>
                 </a:solidFill>
               </a:uFill>
-              <a:latin typeface="Arial"/>
+              <a:latin typeface="Arial" panose="020B0604020202020204"/>
             </a:endParaRPr>
           </a:p>
         </p:txBody>
@@ -5161,7 +5173,7 @@
                   <a:srgbClr val="FFFFFF"/>
                 </a:solidFill>
               </a:uFill>
-              <a:latin typeface="Arial"/>
+              <a:latin typeface="Arial" panose="020B0604020202020204"/>
             </a:endParaRPr>
           </a:p>
         </p:txBody>
@@ -5198,7 +5210,7 @@
                   <a:srgbClr val="FFFFFF"/>
                 </a:solidFill>
               </a:uFill>
-              <a:latin typeface="Arial"/>
+              <a:latin typeface="Arial" panose="020B0604020202020204"/>
             </a:endParaRPr>
           </a:p>
         </p:txBody>
@@ -5235,7 +5247,7 @@
                   <a:srgbClr val="FFFFFF"/>
                 </a:solidFill>
               </a:uFill>
-              <a:latin typeface="Arial"/>
+              <a:latin typeface="Arial" panose="020B0604020202020204"/>
             </a:endParaRPr>
           </a:p>
         </p:txBody>
@@ -5272,7 +5284,7 @@
                   <a:srgbClr val="FFFFFF"/>
                 </a:solidFill>
               </a:uFill>
-              <a:latin typeface="Arial"/>
+              <a:latin typeface="Arial" panose="020B0604020202020204"/>
             </a:endParaRPr>
           </a:p>
         </p:txBody>
@@ -5335,7 +5347,7 @@
                   <a:srgbClr val="FFFFFF"/>
                 </a:solidFill>
               </a:uFill>
-              <a:latin typeface="Arial"/>
+              <a:latin typeface="Arial" panose="020B0604020202020204"/>
             </a:endParaRPr>
           </a:p>
         </p:txBody>
@@ -5372,7 +5384,7 @@
                   <a:srgbClr val="FFFFFF"/>
                 </a:solidFill>
               </a:uFill>
-              <a:latin typeface="Arial"/>
+              <a:latin typeface="Arial" panose="020B0604020202020204"/>
             </a:endParaRPr>
           </a:p>
         </p:txBody>
@@ -5409,7 +5421,7 @@
                   <a:srgbClr val="FFFFFF"/>
                 </a:solidFill>
               </a:uFill>
-              <a:latin typeface="Arial"/>
+              <a:latin typeface="Arial" panose="020B0604020202020204"/>
             </a:endParaRPr>
           </a:p>
         </p:txBody>
@@ -5446,7 +5458,7 @@
                   <a:srgbClr val="FFFFFF"/>
                 </a:solidFill>
               </a:uFill>
-              <a:latin typeface="Arial"/>
+              <a:latin typeface="Arial" panose="020B0604020202020204"/>
             </a:endParaRPr>
           </a:p>
         </p:txBody>
@@ -5492,7 +5504,9 @@
         </p:nvPicPr>
         <p:blipFill>
           <a:blip r:embed="rId14"/>
-          <a:stretch/>
+          <a:stretch>
+            <a:fillRect/>
+          </a:stretch>
         </p:blipFill>
         <p:spPr>
           <a:xfrm>
@@ -5558,7 +5572,7 @@
                   <a:srgbClr val="FFFFFF"/>
                 </a:solidFill>
               </a:uFill>
-              <a:latin typeface="Arial"/>
+              <a:latin typeface="Arial" panose="020B0604020202020204"/>
             </a:endParaRPr>
           </a:p>
           <a:p>
@@ -5576,7 +5590,7 @@
                   <a:srgbClr val="FFFFFF"/>
                 </a:solidFill>
               </a:uFill>
-              <a:latin typeface="Arial"/>
+              <a:latin typeface="Arial" panose="020B0604020202020204"/>
             </a:endParaRPr>
           </a:p>
           <a:p>
@@ -5594,7 +5608,7 @@
                   <a:srgbClr val="FFFFFF"/>
                 </a:solidFill>
               </a:uFill>
-              <a:latin typeface="Arial"/>
+              <a:latin typeface="Arial" panose="020B0604020202020204"/>
             </a:endParaRPr>
           </a:p>
           <a:p>
@@ -5612,7 +5626,7 @@
                   <a:srgbClr val="FFFFFF"/>
                 </a:solidFill>
               </a:uFill>
-              <a:latin typeface="Arial"/>
+              <a:latin typeface="Arial" panose="020B0604020202020204"/>
             </a:endParaRPr>
           </a:p>
         </p:txBody>
@@ -5625,7 +5639,9 @@
         </p:nvPicPr>
         <p:blipFill>
           <a:blip r:embed="rId15"/>
-          <a:stretch/>
+          <a:stretch>
+            <a:fillRect/>
+          </a:stretch>
         </p:blipFill>
         <p:spPr>
           <a:xfrm>
@@ -5648,7 +5664,9 @@
         </p:nvPicPr>
         <p:blipFill>
           <a:blip r:embed="rId16"/>
-          <a:stretch/>
+          <a:stretch>
+            <a:fillRect/>
+          </a:stretch>
         </p:blipFill>
         <p:spPr>
           <a:xfrm>
@@ -5671,7 +5689,9 @@
         </p:nvPicPr>
         <p:blipFill>
           <a:blip r:embed="rId17"/>
-          <a:stretch/>
+          <a:stretch>
+            <a:fillRect/>
+          </a:stretch>
         </p:blipFill>
         <p:spPr>
           <a:xfrm>
@@ -5694,7 +5714,9 @@
         </p:nvPicPr>
         <p:blipFill>
           <a:blip r:embed="rId18"/>
-          <a:stretch/>
+          <a:stretch>
+            <a:fillRect/>
+          </a:stretch>
         </p:blipFill>
         <p:spPr>
           <a:xfrm>
@@ -5717,7 +5739,9 @@
         </p:nvPicPr>
         <p:blipFill>
           <a:blip r:embed="rId19"/>
-          <a:stretch/>
+          <a:stretch>
+            <a:fillRect/>
+          </a:stretch>
         </p:blipFill>
         <p:spPr>
           <a:xfrm>
@@ -5740,7 +5764,9 @@
         </p:nvPicPr>
         <p:blipFill>
           <a:blip r:embed="rId20"/>
-          <a:stretch/>
+          <a:stretch>
+            <a:fillRect/>
+          </a:stretch>
         </p:blipFill>
         <p:spPr>
           <a:xfrm>
@@ -5763,7 +5789,9 @@
         </p:nvPicPr>
         <p:blipFill>
           <a:blip r:embed="rId21"/>
-          <a:stretch/>
+          <a:stretch>
+            <a:fillRect/>
+          </a:stretch>
         </p:blipFill>
         <p:spPr>
           <a:xfrm>
@@ -5812,7 +5840,7 @@
                     <a:srgbClr val="FFFFFF"/>
                   </a:solidFill>
                 </a:uFill>
-                <a:latin typeface="Arial"/>
+                <a:latin typeface="Arial" panose="020B0604020202020204"/>
               </a:rPr>
               <a:t>Click to edit the title text format</a:t>
             </a:r>
@@ -5842,12 +5870,12 @@
           <a:bodyPr lIns="0" tIns="0" rIns="0" bIns="0"/>
           <a:lstStyle/>
           <a:p>
-            <a:pPr marL="432000" indent="-324000">
+            <a:pPr marL="431800" indent="-323850">
               <a:buClr>
                 <a:srgbClr val="000000"/>
               </a:buClr>
               <a:buSzPct val="45000"/>
-              <a:buFont typeface="Wingdings" charset="2"/>
+              <a:buFont typeface="Wingdings" panose="05000000000000000000" pitchFamily="2" charset="2"/>
               <a:buChar char=""/>
             </a:pPr>
             <a:r>
@@ -5860,18 +5888,18 @@
                     <a:srgbClr val="FFFFFF"/>
                   </a:solidFill>
                 </a:uFill>
-                <a:latin typeface="Arial"/>
+                <a:latin typeface="Arial" panose="020B0604020202020204"/>
               </a:rPr>
               <a:t>Click to edit the outline text format</a:t>
             </a:r>
           </a:p>
           <a:p>
-            <a:pPr marL="864000" lvl="1" indent="-324000">
+            <a:pPr marL="864235" lvl="1" indent="-323850">
               <a:buClr>
                 <a:srgbClr val="000000"/>
               </a:buClr>
               <a:buSzPct val="75000"/>
-              <a:buFont typeface="Symbol" charset="2"/>
+              <a:buFont typeface="Symbol" panose="05050102010706020507" charset="2"/>
               <a:buChar char=""/>
             </a:pPr>
             <a:r>
@@ -5884,18 +5912,18 @@
                     <a:srgbClr val="FFFFFF"/>
                   </a:solidFill>
                 </a:uFill>
-                <a:latin typeface="Arial"/>
+                <a:latin typeface="Arial" panose="020B0604020202020204"/>
               </a:rPr>
               <a:t>Second Outline Level</a:t>
             </a:r>
           </a:p>
           <a:p>
-            <a:pPr marL="1296000" lvl="2" indent="-288000">
+            <a:pPr marL="1296035" lvl="2" indent="-288290">
               <a:buClr>
                 <a:srgbClr val="000000"/>
               </a:buClr>
               <a:buSzPct val="45000"/>
-              <a:buFont typeface="Wingdings" charset="2"/>
+              <a:buFont typeface="Wingdings" panose="05000000000000000000" pitchFamily="2" charset="2"/>
               <a:buChar char=""/>
             </a:pPr>
             <a:r>
@@ -5908,18 +5936,18 @@
                     <a:srgbClr val="FFFFFF"/>
                   </a:solidFill>
                 </a:uFill>
-                <a:latin typeface="Arial"/>
+                <a:latin typeface="Arial" panose="020B0604020202020204"/>
               </a:rPr>
               <a:t>Third Outline Level</a:t>
             </a:r>
           </a:p>
           <a:p>
-            <a:pPr marL="1728000" lvl="3" indent="-216000">
+            <a:pPr marL="1727835" lvl="3" indent="-215900">
               <a:buClr>
                 <a:srgbClr val="000000"/>
               </a:buClr>
               <a:buSzPct val="75000"/>
-              <a:buFont typeface="Symbol" charset="2"/>
+              <a:buFont typeface="Symbol" panose="05050102010706020507" charset="2"/>
               <a:buChar char=""/>
             </a:pPr>
             <a:r>
@@ -5932,18 +5960,18 @@
                     <a:srgbClr val="FFFFFF"/>
                   </a:solidFill>
                 </a:uFill>
-                <a:latin typeface="Arial"/>
+                <a:latin typeface="Arial" panose="020B0604020202020204"/>
               </a:rPr>
               <a:t>Fourth Outline Level</a:t>
             </a:r>
           </a:p>
           <a:p>
-            <a:pPr marL="2160000" lvl="4" indent="-216000">
+            <a:pPr marL="2160270" lvl="4" indent="-215900">
               <a:buClr>
                 <a:srgbClr val="000000"/>
               </a:buClr>
               <a:buSzPct val="45000"/>
-              <a:buFont typeface="Wingdings" charset="2"/>
+              <a:buFont typeface="Wingdings" panose="05000000000000000000" pitchFamily="2" charset="2"/>
               <a:buChar char=""/>
             </a:pPr>
             <a:r>
@@ -5956,18 +5984,18 @@
                     <a:srgbClr val="FFFFFF"/>
                   </a:solidFill>
                 </a:uFill>
-                <a:latin typeface="Arial"/>
+                <a:latin typeface="Arial" panose="020B0604020202020204"/>
               </a:rPr>
               <a:t>Fifth Outline Level</a:t>
             </a:r>
           </a:p>
           <a:p>
-            <a:pPr marL="2592000" lvl="5" indent="-216000">
+            <a:pPr marL="2592070" lvl="5" indent="-215900">
               <a:buClr>
                 <a:srgbClr val="000000"/>
               </a:buClr>
               <a:buSzPct val="45000"/>
-              <a:buFont typeface="Wingdings" charset="2"/>
+              <a:buFont typeface="Wingdings" panose="05000000000000000000" pitchFamily="2" charset="2"/>
               <a:buChar char=""/>
             </a:pPr>
             <a:r>
@@ -5980,18 +6008,18 @@
                     <a:srgbClr val="FFFFFF"/>
                   </a:solidFill>
                 </a:uFill>
-                <a:latin typeface="Arial"/>
+                <a:latin typeface="Arial" panose="020B0604020202020204"/>
               </a:rPr>
               <a:t>Sixth Outline Level</a:t>
             </a:r>
           </a:p>
           <a:p>
-            <a:pPr marL="3024000" lvl="6" indent="-216000">
+            <a:pPr marL="3023870" lvl="6" indent="-215900">
               <a:buClr>
                 <a:srgbClr val="000000"/>
               </a:buClr>
               <a:buSzPct val="45000"/>
-              <a:buFont typeface="Wingdings" charset="2"/>
+              <a:buFont typeface="Wingdings" panose="05000000000000000000" pitchFamily="2" charset="2"/>
               <a:buChar char=""/>
             </a:pPr>
             <a:r>
@@ -6004,7 +6032,7 @@
                     <a:srgbClr val="FFFFFF"/>
                   </a:solidFill>
                 </a:uFill>
-                <a:latin typeface="Arial"/>
+                <a:latin typeface="Arial" panose="020B0604020202020204"/>
               </a:rPr>
               <a:t>Seventh Outline Level</a:t>
             </a:r>
@@ -6344,7 +6372,9 @@
         </p:nvPicPr>
         <p:blipFill>
           <a:blip r:embed="rId14"/>
-          <a:stretch/>
+          <a:stretch>
+            <a:fillRect/>
+          </a:stretch>
         </p:blipFill>
         <p:spPr>
           <a:xfrm>
@@ -6410,7 +6440,7 @@
                   <a:srgbClr val="FFFFFF"/>
                 </a:solidFill>
               </a:uFill>
-              <a:latin typeface="Arial"/>
+              <a:latin typeface="Arial" panose="020B0604020202020204"/>
             </a:endParaRPr>
           </a:p>
           <a:p>
@@ -6428,7 +6458,7 @@
                   <a:srgbClr val="FFFFFF"/>
                 </a:solidFill>
               </a:uFill>
-              <a:latin typeface="Arial"/>
+              <a:latin typeface="Arial" panose="020B0604020202020204"/>
             </a:endParaRPr>
           </a:p>
           <a:p>
@@ -6446,7 +6476,7 @@
                   <a:srgbClr val="FFFFFF"/>
                 </a:solidFill>
               </a:uFill>
-              <a:latin typeface="Arial"/>
+              <a:latin typeface="Arial" panose="020B0604020202020204"/>
             </a:endParaRPr>
           </a:p>
           <a:p>
@@ -6464,7 +6494,7 @@
                   <a:srgbClr val="FFFFFF"/>
                 </a:solidFill>
               </a:uFill>
-              <a:latin typeface="Arial"/>
+              <a:latin typeface="Arial" panose="020B0604020202020204"/>
             </a:endParaRPr>
           </a:p>
         </p:txBody>
@@ -6477,7 +6507,9 @@
         </p:nvPicPr>
         <p:blipFill>
           <a:blip r:embed="rId15"/>
-          <a:stretch/>
+          <a:stretch>
+            <a:fillRect/>
+          </a:stretch>
         </p:blipFill>
         <p:spPr>
           <a:xfrm>
@@ -6500,7 +6532,9 @@
         </p:nvPicPr>
         <p:blipFill>
           <a:blip r:embed="rId16"/>
-          <a:stretch/>
+          <a:stretch>
+            <a:fillRect/>
+          </a:stretch>
         </p:blipFill>
         <p:spPr>
           <a:xfrm>
@@ -6523,7 +6557,9 @@
         </p:nvPicPr>
         <p:blipFill>
           <a:blip r:embed="rId17"/>
-          <a:stretch/>
+          <a:stretch>
+            <a:fillRect/>
+          </a:stretch>
         </p:blipFill>
         <p:spPr>
           <a:xfrm>
@@ -6546,7 +6582,9 @@
         </p:nvPicPr>
         <p:blipFill>
           <a:blip r:embed="rId18"/>
-          <a:stretch/>
+          <a:stretch>
+            <a:fillRect/>
+          </a:stretch>
         </p:blipFill>
         <p:spPr>
           <a:xfrm>
@@ -6569,7 +6607,9 @@
         </p:nvPicPr>
         <p:blipFill>
           <a:blip r:embed="rId19"/>
-          <a:stretch/>
+          <a:stretch>
+            <a:fillRect/>
+          </a:stretch>
         </p:blipFill>
         <p:spPr>
           <a:xfrm>
@@ -6592,7 +6632,9 @@
         </p:nvPicPr>
         <p:blipFill>
           <a:blip r:embed="rId20"/>
-          <a:stretch/>
+          <a:stretch>
+            <a:fillRect/>
+          </a:stretch>
         </p:blipFill>
         <p:spPr>
           <a:xfrm>
@@ -6615,7 +6657,9 @@
         </p:nvPicPr>
         <p:blipFill>
           <a:blip r:embed="rId21"/>
-          <a:stretch/>
+          <a:stretch>
+            <a:fillRect/>
+          </a:stretch>
         </p:blipFill>
         <p:spPr>
           <a:xfrm>
@@ -6664,7 +6708,7 @@
                     <a:srgbClr val="FFFFFF"/>
                   </a:solidFill>
                 </a:uFill>
-                <a:latin typeface="Arial"/>
+                <a:latin typeface="Arial" panose="020B0604020202020204"/>
               </a:rPr>
               <a:t>Click to edit the title text format</a:t>
             </a:r>
@@ -6694,12 +6738,12 @@
           <a:bodyPr lIns="0" tIns="0" rIns="0" bIns="0"/>
           <a:lstStyle/>
           <a:p>
-            <a:pPr marL="432000" indent="-324000">
+            <a:pPr marL="431800" indent="-323850">
               <a:buClr>
                 <a:srgbClr val="000000"/>
               </a:buClr>
               <a:buSzPct val="45000"/>
-              <a:buFont typeface="Wingdings" charset="2"/>
+              <a:buFont typeface="Wingdings" panose="05000000000000000000" pitchFamily="2" charset="2"/>
               <a:buChar char=""/>
             </a:pPr>
             <a:r>
@@ -6712,18 +6756,18 @@
                     <a:srgbClr val="FFFFFF"/>
                   </a:solidFill>
                 </a:uFill>
-                <a:latin typeface="Arial"/>
+                <a:latin typeface="Arial" panose="020B0604020202020204"/>
               </a:rPr>
               <a:t>Click to edit the outline text format</a:t>
             </a:r>
           </a:p>
           <a:p>
-            <a:pPr marL="864000" lvl="1" indent="-324000">
+            <a:pPr marL="864235" lvl="1" indent="-323850">
               <a:buClr>
                 <a:srgbClr val="000000"/>
               </a:buClr>
               <a:buSzPct val="75000"/>
-              <a:buFont typeface="Symbol" charset="2"/>
+              <a:buFont typeface="Symbol" panose="05050102010706020507" charset="2"/>
               <a:buChar char=""/>
             </a:pPr>
             <a:r>
@@ -6736,18 +6780,18 @@
                     <a:srgbClr val="FFFFFF"/>
                   </a:solidFill>
                 </a:uFill>
-                <a:latin typeface="Arial"/>
+                <a:latin typeface="Arial" panose="020B0604020202020204"/>
               </a:rPr>
               <a:t>Second Outline Level</a:t>
             </a:r>
           </a:p>
           <a:p>
-            <a:pPr marL="1296000" lvl="2" indent="-288000">
+            <a:pPr marL="1296035" lvl="2" indent="-288290">
               <a:buClr>
                 <a:srgbClr val="000000"/>
               </a:buClr>
               <a:buSzPct val="45000"/>
-              <a:buFont typeface="Wingdings" charset="2"/>
+              <a:buFont typeface="Wingdings" panose="05000000000000000000" pitchFamily="2" charset="2"/>
               <a:buChar char=""/>
             </a:pPr>
             <a:r>
@@ -6760,18 +6804,18 @@
                     <a:srgbClr val="FFFFFF"/>
                   </a:solidFill>
                 </a:uFill>
-                <a:latin typeface="Arial"/>
+                <a:latin typeface="Arial" panose="020B0604020202020204"/>
               </a:rPr>
               <a:t>Third Outline Level</a:t>
             </a:r>
           </a:p>
           <a:p>
-            <a:pPr marL="1728000" lvl="3" indent="-216000">
+            <a:pPr marL="1727835" lvl="3" indent="-215900">
               <a:buClr>
                 <a:srgbClr val="000000"/>
               </a:buClr>
               <a:buSzPct val="75000"/>
-              <a:buFont typeface="Symbol" charset="2"/>
+              <a:buFont typeface="Symbol" panose="05050102010706020507" charset="2"/>
               <a:buChar char=""/>
             </a:pPr>
             <a:r>
@@ -6784,18 +6828,18 @@
                     <a:srgbClr val="FFFFFF"/>
                   </a:solidFill>
                 </a:uFill>
-                <a:latin typeface="Arial"/>
+                <a:latin typeface="Arial" panose="020B0604020202020204"/>
               </a:rPr>
               <a:t>Fourth Outline Level</a:t>
             </a:r>
           </a:p>
           <a:p>
-            <a:pPr marL="2160000" lvl="4" indent="-216000">
+            <a:pPr marL="2160270" lvl="4" indent="-215900">
               <a:buClr>
                 <a:srgbClr val="000000"/>
               </a:buClr>
               <a:buSzPct val="45000"/>
-              <a:buFont typeface="Wingdings" charset="2"/>
+              <a:buFont typeface="Wingdings" panose="05000000000000000000" pitchFamily="2" charset="2"/>
               <a:buChar char=""/>
             </a:pPr>
             <a:r>
@@ -6808,18 +6852,18 @@
                     <a:srgbClr val="FFFFFF"/>
                   </a:solidFill>
                 </a:uFill>
-                <a:latin typeface="Arial"/>
+                <a:latin typeface="Arial" panose="020B0604020202020204"/>
               </a:rPr>
               <a:t>Fifth Outline Level</a:t>
             </a:r>
           </a:p>
           <a:p>
-            <a:pPr marL="2592000" lvl="5" indent="-216000">
+            <a:pPr marL="2592070" lvl="5" indent="-215900">
               <a:buClr>
                 <a:srgbClr val="000000"/>
               </a:buClr>
               <a:buSzPct val="45000"/>
-              <a:buFont typeface="Wingdings" charset="2"/>
+              <a:buFont typeface="Wingdings" panose="05000000000000000000" pitchFamily="2" charset="2"/>
               <a:buChar char=""/>
             </a:pPr>
             <a:r>
@@ -6832,18 +6876,18 @@
                     <a:srgbClr val="FFFFFF"/>
                   </a:solidFill>
                 </a:uFill>
-                <a:latin typeface="Arial"/>
+                <a:latin typeface="Arial" panose="020B0604020202020204"/>
               </a:rPr>
               <a:t>Sixth Outline Level</a:t>
             </a:r>
           </a:p>
           <a:p>
-            <a:pPr marL="3024000" lvl="6" indent="-216000">
+            <a:pPr marL="3023870" lvl="6" indent="-215900">
               <a:buClr>
                 <a:srgbClr val="000000"/>
               </a:buClr>
               <a:buSzPct val="45000"/>
-              <a:buFont typeface="Wingdings" charset="2"/>
+              <a:buFont typeface="Wingdings" panose="05000000000000000000" pitchFamily="2" charset="2"/>
               <a:buChar char=""/>
             </a:pPr>
             <a:r>
@@ -6856,7 +6900,7 @@
                     <a:srgbClr val="FFFFFF"/>
                   </a:solidFill>
                 </a:uFill>
-                <a:latin typeface="Arial"/>
+                <a:latin typeface="Arial" panose="020B0604020202020204"/>
               </a:rPr>
               <a:t>Seventh Outline Level</a:t>
             </a:r>
@@ -7196,7 +7240,9 @@
         </p:nvPicPr>
         <p:blipFill>
           <a:blip r:embed="rId14"/>
-          <a:stretch/>
+          <a:stretch>
+            <a:fillRect/>
+          </a:stretch>
         </p:blipFill>
         <p:spPr>
           <a:xfrm>
@@ -7262,7 +7308,7 @@
                   <a:srgbClr val="FFFFFF"/>
                 </a:solidFill>
               </a:uFill>
-              <a:latin typeface="Arial"/>
+              <a:latin typeface="Arial" panose="020B0604020202020204"/>
             </a:endParaRPr>
           </a:p>
           <a:p>
@@ -7280,7 +7326,7 @@
                   <a:srgbClr val="FFFFFF"/>
                 </a:solidFill>
               </a:uFill>
-              <a:latin typeface="Arial"/>
+              <a:latin typeface="Arial" panose="020B0604020202020204"/>
             </a:endParaRPr>
           </a:p>
           <a:p>
@@ -7298,7 +7344,7 @@
                   <a:srgbClr val="FFFFFF"/>
                 </a:solidFill>
               </a:uFill>
-              <a:latin typeface="Arial"/>
+              <a:latin typeface="Arial" panose="020B0604020202020204"/>
             </a:endParaRPr>
           </a:p>
           <a:p>
@@ -7316,7 +7362,7 @@
                   <a:srgbClr val="FFFFFF"/>
                 </a:solidFill>
               </a:uFill>
-              <a:latin typeface="Arial"/>
+              <a:latin typeface="Arial" panose="020B0604020202020204"/>
             </a:endParaRPr>
           </a:p>
         </p:txBody>
@@ -7329,7 +7375,9 @@
         </p:nvPicPr>
         <p:blipFill>
           <a:blip r:embed="rId15"/>
-          <a:stretch/>
+          <a:stretch>
+            <a:fillRect/>
+          </a:stretch>
         </p:blipFill>
         <p:spPr>
           <a:xfrm>
@@ -7352,7 +7400,9 @@
         </p:nvPicPr>
         <p:blipFill>
           <a:blip r:embed="rId16"/>
-          <a:stretch/>
+          <a:stretch>
+            <a:fillRect/>
+          </a:stretch>
         </p:blipFill>
         <p:spPr>
           <a:xfrm>
@@ -7375,7 +7425,9 @@
         </p:nvPicPr>
         <p:blipFill>
           <a:blip r:embed="rId17"/>
-          <a:stretch/>
+          <a:stretch>
+            <a:fillRect/>
+          </a:stretch>
         </p:blipFill>
         <p:spPr>
           <a:xfrm>
@@ -7398,7 +7450,9 @@
         </p:nvPicPr>
         <p:blipFill>
           <a:blip r:embed="rId18"/>
-          <a:stretch/>
+          <a:stretch>
+            <a:fillRect/>
+          </a:stretch>
         </p:blipFill>
         <p:spPr>
           <a:xfrm>
@@ -7421,7 +7475,9 @@
         </p:nvPicPr>
         <p:blipFill>
           <a:blip r:embed="rId19"/>
-          <a:stretch/>
+          <a:stretch>
+            <a:fillRect/>
+          </a:stretch>
         </p:blipFill>
         <p:spPr>
           <a:xfrm>
@@ -7444,7 +7500,9 @@
         </p:nvPicPr>
         <p:blipFill>
           <a:blip r:embed="rId20"/>
-          <a:stretch/>
+          <a:stretch>
+            <a:fillRect/>
+          </a:stretch>
         </p:blipFill>
         <p:spPr>
           <a:xfrm>
@@ -7467,7 +7525,9 @@
         </p:nvPicPr>
         <p:blipFill>
           <a:blip r:embed="rId21"/>
-          <a:stretch/>
+          <a:stretch>
+            <a:fillRect/>
+          </a:stretch>
         </p:blipFill>
         <p:spPr>
           <a:xfrm>
@@ -7516,7 +7576,7 @@
                     <a:srgbClr val="FFFFFF"/>
                   </a:solidFill>
                 </a:uFill>
-                <a:latin typeface="Arial"/>
+                <a:latin typeface="Arial" panose="020B0604020202020204"/>
               </a:rPr>
               <a:t>Click to edit the title text format</a:t>
             </a:r>
@@ -7546,12 +7606,12 @@
           <a:bodyPr lIns="0" tIns="0" rIns="0" bIns="0"/>
           <a:lstStyle/>
           <a:p>
-            <a:pPr marL="432000" indent="-324000">
+            <a:pPr marL="431800" indent="-323850">
               <a:buClr>
                 <a:srgbClr val="000000"/>
               </a:buClr>
               <a:buSzPct val="45000"/>
-              <a:buFont typeface="Wingdings" charset="2"/>
+              <a:buFont typeface="Wingdings" panose="05000000000000000000" pitchFamily="2" charset="2"/>
               <a:buChar char=""/>
             </a:pPr>
             <a:r>
@@ -7564,18 +7624,18 @@
                     <a:srgbClr val="FFFFFF"/>
                   </a:solidFill>
                 </a:uFill>
-                <a:latin typeface="Arial"/>
+                <a:latin typeface="Arial" panose="020B0604020202020204"/>
               </a:rPr>
               <a:t>Click to edit the outline text format</a:t>
             </a:r>
           </a:p>
           <a:p>
-            <a:pPr marL="864000" lvl="1" indent="-324000">
+            <a:pPr marL="864235" lvl="1" indent="-323850">
               <a:buClr>
                 <a:srgbClr val="000000"/>
               </a:buClr>
               <a:buSzPct val="75000"/>
-              <a:buFont typeface="Symbol" charset="2"/>
+              <a:buFont typeface="Symbol" panose="05050102010706020507" charset="2"/>
               <a:buChar char=""/>
             </a:pPr>
             <a:r>
@@ -7588,18 +7648,18 @@
                     <a:srgbClr val="FFFFFF"/>
                   </a:solidFill>
                 </a:uFill>
-                <a:latin typeface="Arial"/>
+                <a:latin typeface="Arial" panose="020B0604020202020204"/>
               </a:rPr>
               <a:t>Second Outline Level</a:t>
             </a:r>
           </a:p>
           <a:p>
-            <a:pPr marL="1296000" lvl="2" indent="-288000">
+            <a:pPr marL="1296035" lvl="2" indent="-288290">
               <a:buClr>
                 <a:srgbClr val="000000"/>
               </a:buClr>
               <a:buSzPct val="45000"/>
-              <a:buFont typeface="Wingdings" charset="2"/>
+              <a:buFont typeface="Wingdings" panose="05000000000000000000" pitchFamily="2" charset="2"/>
               <a:buChar char=""/>
             </a:pPr>
             <a:r>
@@ -7612,18 +7672,18 @@
                     <a:srgbClr val="FFFFFF"/>
                   </a:solidFill>
                 </a:uFill>
-                <a:latin typeface="Arial"/>
+                <a:latin typeface="Arial" panose="020B0604020202020204"/>
               </a:rPr>
               <a:t>Third Outline Level</a:t>
             </a:r>
           </a:p>
           <a:p>
-            <a:pPr marL="1728000" lvl="3" indent="-216000">
+            <a:pPr marL="1727835" lvl="3" indent="-215900">
               <a:buClr>
                 <a:srgbClr val="000000"/>
               </a:buClr>
               <a:buSzPct val="75000"/>
-              <a:buFont typeface="Symbol" charset="2"/>
+              <a:buFont typeface="Symbol" panose="05050102010706020507" charset="2"/>
               <a:buChar char=""/>
             </a:pPr>
             <a:r>
@@ -7636,18 +7696,18 @@
                     <a:srgbClr val="FFFFFF"/>
                   </a:solidFill>
                 </a:uFill>
-                <a:latin typeface="Arial"/>
+                <a:latin typeface="Arial" panose="020B0604020202020204"/>
               </a:rPr>
               <a:t>Fourth Outline Level</a:t>
             </a:r>
           </a:p>
           <a:p>
-            <a:pPr marL="2160000" lvl="4" indent="-216000">
+            <a:pPr marL="2160270" lvl="4" indent="-215900">
               <a:buClr>
                 <a:srgbClr val="000000"/>
               </a:buClr>
               <a:buSzPct val="45000"/>
-              <a:buFont typeface="Wingdings" charset="2"/>
+              <a:buFont typeface="Wingdings" panose="05000000000000000000" pitchFamily="2" charset="2"/>
               <a:buChar char=""/>
             </a:pPr>
             <a:r>
@@ -7660,18 +7720,18 @@
                     <a:srgbClr val="FFFFFF"/>
                   </a:solidFill>
                 </a:uFill>
-                <a:latin typeface="Arial"/>
+                <a:latin typeface="Arial" panose="020B0604020202020204"/>
               </a:rPr>
               <a:t>Fifth Outline Level</a:t>
             </a:r>
           </a:p>
           <a:p>
-            <a:pPr marL="2592000" lvl="5" indent="-216000">
+            <a:pPr marL="2592070" lvl="5" indent="-215900">
               <a:buClr>
                 <a:srgbClr val="000000"/>
               </a:buClr>
               <a:buSzPct val="45000"/>
-              <a:buFont typeface="Wingdings" charset="2"/>
+              <a:buFont typeface="Wingdings" panose="05000000000000000000" pitchFamily="2" charset="2"/>
               <a:buChar char=""/>
             </a:pPr>
             <a:r>
@@ -7684,18 +7744,18 @@
                     <a:srgbClr val="FFFFFF"/>
                   </a:solidFill>
                 </a:uFill>
-                <a:latin typeface="Arial"/>
+                <a:latin typeface="Arial" panose="020B0604020202020204"/>
               </a:rPr>
               <a:t>Sixth Outline Level</a:t>
             </a:r>
           </a:p>
           <a:p>
-            <a:pPr marL="3024000" lvl="6" indent="-216000">
+            <a:pPr marL="3023870" lvl="6" indent="-215900">
               <a:buClr>
                 <a:srgbClr val="000000"/>
               </a:buClr>
               <a:buSzPct val="45000"/>
-              <a:buFont typeface="Wingdings" charset="2"/>
+              <a:buFont typeface="Wingdings" panose="05000000000000000000" pitchFamily="2" charset="2"/>
               <a:buChar char=""/>
             </a:pPr>
             <a:r>
@@ -7708,7 +7768,7 @@
                     <a:srgbClr val="FFFFFF"/>
                   </a:solidFill>
                 </a:uFill>
-                <a:latin typeface="Arial"/>
+                <a:latin typeface="Arial" panose="020B0604020202020204"/>
               </a:rPr>
               <a:t>Seventh Outline Level</a:t>
             </a:r>
@@ -8089,8 +8149,8 @@
                     <a:srgbClr val="FFFFFF"/>
                   </a:solidFill>
                 </a:uFill>
-                <a:latin typeface="Trebuchet MS"/>
-                <a:ea typeface="Trebuchet MS"/>
+                <a:latin typeface="Trebuchet MS" panose="020B0603020202020204"/>
+                <a:ea typeface="Trebuchet MS" panose="020B0603020202020204"/>
               </a:rPr>
               <a:t>Mini-Project Progress Review 2</a:t>
             </a:r>
@@ -8110,7 +8170,7 @@
                   <a:srgbClr val="FFFFFF"/>
                 </a:solidFill>
               </a:uFill>
-              <a:latin typeface="Arial"/>
+              <a:latin typeface="Arial" panose="020B0604020202020204"/>
             </a:endParaRPr>
           </a:p>
           <a:p>
@@ -8128,7 +8188,7 @@
                   <a:srgbClr val="FFFFFF"/>
                 </a:solidFill>
               </a:uFill>
-              <a:latin typeface="Arial"/>
+              <a:latin typeface="Arial" panose="020B0604020202020204"/>
             </a:endParaRPr>
           </a:p>
         </p:txBody>
@@ -8183,8 +8243,8 @@
                     <a:srgbClr val="FFFFFF"/>
                   </a:solidFill>
                 </a:uFill>
-                <a:latin typeface="Trebuchet MS"/>
-                <a:ea typeface="Trebuchet MS"/>
+                <a:latin typeface="Trebuchet MS" panose="020B0603020202020204"/>
+                <a:ea typeface="Trebuchet MS" panose="020B0603020202020204"/>
               </a:rPr>
               <a:t>Project Title     :  </a:t>
             </a:r>
@@ -8230,7 +8290,7 @@
                   <a:srgbClr val="FFFFFF"/>
                 </a:solidFill>
               </a:uFill>
-              <a:latin typeface="Arial"/>
+              <a:latin typeface="Arial" panose="020B0604020202020204"/>
             </a:endParaRPr>
           </a:p>
           <a:p>
@@ -8248,7 +8308,7 @@
                   <a:srgbClr val="FFFFFF"/>
                 </a:solidFill>
               </a:uFill>
-              <a:latin typeface="Arial"/>
+              <a:latin typeface="Arial" panose="020B0604020202020204"/>
             </a:endParaRPr>
           </a:p>
           <a:p>
@@ -8267,8 +8327,8 @@
                     <a:srgbClr val="FFFFFF"/>
                   </a:solidFill>
                 </a:uFill>
-                <a:latin typeface="Trebuchet MS"/>
-                <a:ea typeface="Trebuchet MS"/>
+                <a:latin typeface="Trebuchet MS" panose="020B0603020202020204"/>
+                <a:ea typeface="Trebuchet MS" panose="020B0603020202020204"/>
               </a:rPr>
               <a:t>Project Guide	: </a:t>
             </a:r>
@@ -8303,8 +8363,8 @@
                     <a:srgbClr val="FFFFFF"/>
                   </a:solidFill>
                 </a:uFill>
-                <a:latin typeface="Trebuchet MS"/>
-                <a:ea typeface="Trebuchet MS"/>
+                <a:latin typeface="Trebuchet MS" panose="020B0603020202020204"/>
+                <a:ea typeface="Trebuchet MS" panose="020B0603020202020204"/>
               </a:rPr>
               <a:t>      </a:t>
             </a:r>
@@ -8317,7 +8377,7 @@
                   <a:srgbClr val="FFFFFF"/>
                 </a:solidFill>
               </a:uFill>
-              <a:latin typeface="Arial"/>
+              <a:latin typeface="Arial" panose="020B0604020202020204"/>
             </a:endParaRPr>
           </a:p>
           <a:p>
@@ -8336,8 +8396,8 @@
                     <a:srgbClr val="FFFFFF"/>
                   </a:solidFill>
                 </a:uFill>
-                <a:latin typeface="Trebuchet MS"/>
-                <a:ea typeface="Trebuchet MS"/>
+                <a:latin typeface="Trebuchet MS" panose="020B0603020202020204"/>
+                <a:ea typeface="Trebuchet MS" panose="020B0603020202020204"/>
               </a:rPr>
               <a:t>           </a:t>
             </a:r>
@@ -8350,7 +8410,7 @@
                   <a:srgbClr val="FFFFFF"/>
                 </a:solidFill>
               </a:uFill>
-              <a:latin typeface="Arial"/>
+              <a:latin typeface="Arial" panose="020B0604020202020204"/>
             </a:endParaRPr>
           </a:p>
           <a:p>
@@ -8376,8 +8436,8 @@
                     <a:srgbClr val="FFFFFF"/>
                   </a:solidFill>
                 </a:uFill>
-                <a:latin typeface="Trebuchet MS"/>
-                <a:ea typeface="Trebuchet MS"/>
+                <a:latin typeface="Trebuchet MS" panose="020B0603020202020204"/>
+                <a:ea typeface="Trebuchet MS" panose="020B0603020202020204"/>
               </a:rPr>
               <a:t>Project Team ( Names &amp; USN) 	: </a:t>
             </a:r>
@@ -8481,7 +8541,7 @@
                   <a:srgbClr val="FFFFFF"/>
                 </a:solidFill>
               </a:uFill>
-              <a:latin typeface="Arial"/>
+              <a:latin typeface="Arial" panose="020B0604020202020204"/>
             </a:endParaRPr>
           </a:p>
           <a:p>
@@ -8499,7 +8559,7 @@
                   <a:srgbClr val="FFFFFF"/>
                 </a:solidFill>
               </a:uFill>
-              <a:latin typeface="Arial"/>
+              <a:latin typeface="Arial" panose="020B0604020202020204"/>
             </a:endParaRPr>
           </a:p>
         </p:txBody>
@@ -8509,33 +8569,6 @@
   <p:clrMapOvr>
     <a:masterClrMapping/>
   </p:clrMapOvr>
-  <p:timing>
-    <p:tnLst>
-      <p:par>
-        <p:cTn id="1" dur="indefinite" restart="never" nodeType="tmRoot">
-          <p:childTnLst>
-            <p:seq>
-              <p:cTn id="2" nodeType="mainSeq"/>
-              <p:prevCondLst>
-                <p:cond evt="onPrev" delay="0">
-                  <p:tgtEl>
-                    <p:sldTgt/>
-                  </p:tgtEl>
-                </p:cond>
-              </p:prevCondLst>
-              <p:nextCondLst>
-                <p:cond evt="onNext" delay="0">
-                  <p:tgtEl>
-                    <p:sldTgt/>
-                  </p:tgtEl>
-                </p:cond>
-              </p:nextCondLst>
-            </p:seq>
-          </p:childTnLst>
-        </p:cTn>
-      </p:par>
-    </p:tnLst>
-  </p:timing>
 </p:sld>
 </file>
 
@@ -8625,7 +8658,7 @@
           <a:bodyPr lIns="90000" tIns="45000" rIns="90000" bIns="45000"/>
           <a:lstStyle/>
           <a:p>
-            <a:pPr marL="343080" indent="-341280" algn="r">
+            <a:pPr marL="342900" indent="-340995" algn="r">
               <a:lnSpc>
                 <a:spcPct val="100000"/>
               </a:lnSpc>
@@ -8640,8 +8673,8 @@
                     <a:srgbClr val="FFFFFF"/>
                   </a:solidFill>
                 </a:uFill>
-                <a:latin typeface="Trebuchet MS"/>
-                <a:ea typeface="Trebuchet MS"/>
+                <a:latin typeface="Trebuchet MS" panose="020B0603020202020204"/>
+                <a:ea typeface="Trebuchet MS" panose="020B0603020202020204"/>
               </a:rPr>
               <a:t>Project Abstract and Scope </a:t>
             </a:r>
@@ -8654,20 +8687,14 @@
                   <a:srgbClr val="FFFFFF"/>
                 </a:solidFill>
               </a:uFill>
-              <a:latin typeface="Arial"/>
-            </a:endParaRPr>
-          </a:p>
-        </p:txBody>
-      </p:sp>
-      <p:sp>
-        <p:nvSpPr>
-          <p:cNvPr id="3" name="Text Placeholder 2">
-            <a:extLst>
-              <a:ext uri="{FF2B5EF4-FFF2-40B4-BE49-F238E27FC236}">
-                <a16:creationId xmlns:a16="http://schemas.microsoft.com/office/drawing/2014/main" id="{A4C5088B-9E34-4458-89B2-736B04F5EB02}"/>
-              </a:ext>
-            </a:extLst>
-          </p:cNvPr>
+              <a:latin typeface="Arial" panose="020B0604020202020204"/>
+            </a:endParaRPr>
+          </a:p>
+        </p:txBody>
+      </p:sp>
+      <p:sp>
+        <p:nvSpPr>
+          <p:cNvPr id="3" name="Text Placeholder 2"/>
           <p:cNvSpPr>
             <a:spLocks noGrp="1"/>
           </p:cNvSpPr>
@@ -8753,33 +8780,6 @@
   <p:clrMapOvr>
     <a:masterClrMapping/>
   </p:clrMapOvr>
-  <p:timing>
-    <p:tnLst>
-      <p:par>
-        <p:cTn id="1" dur="indefinite" restart="never" nodeType="tmRoot">
-          <p:childTnLst>
-            <p:seq>
-              <p:cTn id="2" nodeType="mainSeq"/>
-              <p:prevCondLst>
-                <p:cond evt="onPrev" delay="0">
-                  <p:tgtEl>
-                    <p:sldTgt/>
-                  </p:tgtEl>
-                </p:cond>
-              </p:prevCondLst>
-              <p:nextCondLst>
-                <p:cond evt="onNext" delay="0">
-                  <p:tgtEl>
-                    <p:sldTgt/>
-                  </p:tgtEl>
-                </p:cond>
-              </p:nextCondLst>
-            </p:seq>
-          </p:childTnLst>
-        </p:cTn>
-      </p:par>
-    </p:tnLst>
-  </p:timing>
 </p:sld>
 </file>
 
@@ -8869,7 +8869,7 @@
           <a:bodyPr lIns="90000" tIns="45000" rIns="90000" bIns="45000"/>
           <a:lstStyle/>
           <a:p>
-            <a:pPr marL="342720" algn="just">
+            <a:pPr marL="342900" algn="just">
               <a:lnSpc>
                 <a:spcPct val="100000"/>
               </a:lnSpc>
@@ -8888,13 +8888,13 @@
                     <a:srgbClr val="FFFFFF"/>
                   </a:solidFill>
                 </a:uFill>
-                <a:latin typeface="Trebuchet MS"/>
+                <a:latin typeface="Trebuchet MS" panose="020B0603020202020204"/>
               </a:rPr>
               <a:t>Suggestion:</a:t>
             </a:r>
           </a:p>
           <a:p>
-            <a:pPr marL="342720" algn="just">
+            <a:pPr marL="342900" algn="just">
               <a:lnSpc>
                 <a:spcPct val="100000"/>
               </a:lnSpc>
@@ -8912,11 +8912,11 @@
                   <a:srgbClr val="FFFFFF"/>
                 </a:solidFill>
               </a:uFill>
-              <a:latin typeface="Trebuchet MS"/>
-            </a:endParaRPr>
-          </a:p>
-          <a:p>
-            <a:pPr marL="342720" algn="just">
+              <a:latin typeface="Trebuchet MS" panose="020B0603020202020204"/>
+            </a:endParaRPr>
+          </a:p>
+          <a:p>
+            <a:pPr marL="342900" algn="just">
               <a:lnSpc>
                 <a:spcPct val="100000"/>
               </a:lnSpc>
@@ -8935,7 +8935,7 @@
                     <a:srgbClr val="FFFFFF"/>
                   </a:solidFill>
                 </a:uFill>
-                <a:latin typeface="Trebuchet MS"/>
+                <a:latin typeface="Trebuchet MS" panose="020B0603020202020204"/>
               </a:rPr>
               <a:t>For generating traffic we were suggested to come up with something better than </a:t>
             </a:r>
@@ -8949,7 +8949,7 @@
                     <a:srgbClr val="FFFFFF"/>
                   </a:solidFill>
                 </a:uFill>
-                <a:latin typeface="Trebuchet MS"/>
+                <a:latin typeface="Trebuchet MS" panose="020B0603020202020204"/>
               </a:rPr>
               <a:t>nping</a:t>
             </a:r>
@@ -8963,13 +8963,13 @@
                     <a:srgbClr val="FFFFFF"/>
                   </a:solidFill>
                 </a:uFill>
-                <a:latin typeface="Trebuchet MS"/>
+                <a:latin typeface="Trebuchet MS" panose="020B0603020202020204"/>
               </a:rPr>
               <a:t> .</a:t>
             </a:r>
           </a:p>
           <a:p>
-            <a:pPr marL="342720" algn="just">
+            <a:pPr marL="342900" algn="just">
               <a:lnSpc>
                 <a:spcPct val="100000"/>
               </a:lnSpc>
@@ -8987,11 +8987,11 @@
                   <a:srgbClr val="FFFFFF"/>
                 </a:solidFill>
               </a:uFill>
-              <a:latin typeface="Trebuchet MS"/>
-            </a:endParaRPr>
-          </a:p>
-          <a:p>
-            <a:pPr marL="342720" algn="just">
+              <a:latin typeface="Trebuchet MS" panose="020B0603020202020204"/>
+            </a:endParaRPr>
+          </a:p>
+          <a:p>
+            <a:pPr marL="342900" algn="just">
               <a:lnSpc>
                 <a:spcPct val="100000"/>
               </a:lnSpc>
@@ -9009,11 +9009,11 @@
                   <a:srgbClr val="FFFFFF"/>
                 </a:solidFill>
               </a:uFill>
-              <a:latin typeface="Trebuchet MS"/>
-            </a:endParaRPr>
-          </a:p>
-          <a:p>
-            <a:pPr marL="342720" algn="just">
+              <a:latin typeface="Trebuchet MS" panose="020B0603020202020204"/>
+            </a:endParaRPr>
+          </a:p>
+          <a:p>
+            <a:pPr marL="342900" algn="just">
               <a:lnSpc>
                 <a:spcPct val="100000"/>
               </a:lnSpc>
@@ -9032,13 +9032,13 @@
                     <a:srgbClr val="FFFFFF"/>
                   </a:solidFill>
                 </a:uFill>
-                <a:latin typeface="Trebuchet MS"/>
+                <a:latin typeface="Trebuchet MS" panose="020B0603020202020204"/>
               </a:rPr>
               <a:t>Progress:</a:t>
             </a:r>
           </a:p>
           <a:p>
-            <a:pPr marL="342720" algn="just">
+            <a:pPr marL="342900" algn="just">
               <a:lnSpc>
                 <a:spcPct val="100000"/>
               </a:lnSpc>
@@ -9056,11 +9056,11 @@
                   <a:srgbClr val="FFFFFF"/>
                 </a:solidFill>
               </a:uFill>
-              <a:latin typeface="Trebuchet MS"/>
-            </a:endParaRPr>
-          </a:p>
-          <a:p>
-            <a:pPr marL="342720" algn="just">
+              <a:latin typeface="Trebuchet MS" panose="020B0603020202020204"/>
+            </a:endParaRPr>
+          </a:p>
+          <a:p>
+            <a:pPr marL="342900" algn="just">
               <a:lnSpc>
                 <a:spcPct val="100000"/>
               </a:lnSpc>
@@ -9079,7 +9079,7 @@
                     <a:srgbClr val="FFFFFF"/>
                   </a:solidFill>
                 </a:uFill>
-                <a:latin typeface="Trebuchet MS"/>
+                <a:latin typeface="Trebuchet MS" panose="020B0603020202020204"/>
               </a:rPr>
               <a:t>We decided to create a simple python program which generates traffic using proxies so that the traffic seems to come from different locations.</a:t>
             </a:r>
@@ -9092,7 +9092,7 @@
                   <a:srgbClr val="FFFFFF"/>
                 </a:solidFill>
               </a:uFill>
-              <a:latin typeface="Arial"/>
+              <a:latin typeface="Arial" panose="020B0604020202020204"/>
             </a:endParaRPr>
           </a:p>
         </p:txBody>
@@ -9132,7 +9132,7 @@
           <a:bodyPr lIns="90000" tIns="45000" rIns="90000" bIns="45000"/>
           <a:lstStyle/>
           <a:p>
-            <a:pPr marL="342720" indent="-340920" algn="r">
+            <a:pPr marL="342900" indent="-340995" algn="r">
               <a:lnSpc>
                 <a:spcPct val="100000"/>
               </a:lnSpc>
@@ -9147,7 +9147,7 @@
                     <a:srgbClr val="FFFFFF"/>
                   </a:solidFill>
                 </a:uFill>
-                <a:latin typeface="Trebuchet MS"/>
+                <a:latin typeface="Trebuchet MS" panose="020B0603020202020204"/>
                 <a:ea typeface="DejaVu Sans"/>
               </a:rPr>
               <a:t>Suggestions from Review - 1</a:t>
@@ -9161,7 +9161,7 @@
                   <a:srgbClr val="FFFFFF"/>
                 </a:solidFill>
               </a:uFill>
-              <a:latin typeface="Arial"/>
+              <a:latin typeface="Arial" panose="020B0604020202020204"/>
             </a:endParaRPr>
           </a:p>
         </p:txBody>
@@ -9171,33 +9171,6 @@
   <p:clrMapOvr>
     <a:masterClrMapping/>
   </p:clrMapOvr>
-  <p:timing>
-    <p:tnLst>
-      <p:par>
-        <p:cTn id="1" dur="indefinite" restart="never" nodeType="tmRoot">
-          <p:childTnLst>
-            <p:seq>
-              <p:cTn id="2" nodeType="mainSeq"/>
-              <p:prevCondLst>
-                <p:cond evt="onPrev" delay="0">
-                  <p:tgtEl>
-                    <p:sldTgt/>
-                  </p:tgtEl>
-                </p:cond>
-              </p:prevCondLst>
-              <p:nextCondLst>
-                <p:cond evt="onNext" delay="0">
-                  <p:tgtEl>
-                    <p:sldTgt/>
-                  </p:tgtEl>
-                </p:cond>
-              </p:nextCondLst>
-            </p:seq>
-          </p:childTnLst>
-        </p:cTn>
-      </p:par>
-    </p:tnLst>
-  </p:timing>
 </p:sld>
 </file>
 
@@ -9287,7 +9260,7 @@
           <a:bodyPr lIns="90000" tIns="45000" rIns="90000" bIns="45000"/>
           <a:lstStyle/>
           <a:p>
-            <a:pPr marL="342720" indent="-340920" algn="r">
+            <a:pPr marL="342900" indent="-340995" algn="r">
               <a:lnSpc>
                 <a:spcPct val="100000"/>
               </a:lnSpc>
@@ -9302,7 +9275,7 @@
                     <a:srgbClr val="FFFFFF"/>
                   </a:solidFill>
                 </a:uFill>
-                <a:latin typeface="Trebuchet MS"/>
+                <a:latin typeface="Trebuchet MS" panose="020B0603020202020204"/>
                 <a:ea typeface="DejaVu Sans"/>
               </a:rPr>
               <a:t>Detailed Literature Survey</a:t>
@@ -9316,7 +9289,7 @@
                   <a:srgbClr val="FFFFFF"/>
                 </a:solidFill>
               </a:uFill>
-              <a:latin typeface="Arial"/>
+              <a:latin typeface="Arial" panose="020B0604020202020204"/>
             </a:endParaRPr>
           </a:p>
         </p:txBody>
@@ -9370,18 +9343,18 @@
                   <a:srgbClr val="FFFFFF"/>
                 </a:solidFill>
               </a:uFill>
-              <a:latin typeface="Arial"/>
-            </a:endParaRPr>
-          </a:p>
-          <a:p>
-            <a:pPr marL="685800" indent="-341280" algn="just">
+              <a:latin typeface="Arial" panose="020B0604020202020204"/>
+            </a:endParaRPr>
+          </a:p>
+          <a:p>
+            <a:pPr marL="685800" indent="-340995" algn="just">
               <a:lnSpc>
                 <a:spcPct val="100000"/>
               </a:lnSpc>
               <a:buClr>
                 <a:srgbClr val="0000FF"/>
               </a:buClr>
-              <a:buFont typeface="Wingdings" charset="2"/>
+              <a:buFont typeface="Wingdings" panose="05000000000000000000" pitchFamily="2" charset="2"/>
               <a:buChar char=""/>
             </a:pPr>
             <a:r>
@@ -9398,14 +9371,14 @@
             </a:r>
           </a:p>
           <a:p>
-            <a:pPr marL="685800" indent="-341280" algn="just">
+            <a:pPr marL="685800" indent="-340995" algn="just">
               <a:lnSpc>
                 <a:spcPct val="100000"/>
               </a:lnSpc>
               <a:buClr>
                 <a:srgbClr val="0000FF"/>
               </a:buClr>
-              <a:buFont typeface="Wingdings" charset="2"/>
+              <a:buFont typeface="Wingdings" panose="05000000000000000000" pitchFamily="2" charset="2"/>
               <a:buChar char=""/>
             </a:pPr>
             <a:r>
@@ -9430,14 +9403,14 @@
                     <a:srgbClr val="FFFFFF"/>
                   </a:solidFill>
                 </a:uFill>
-                <a:latin typeface="Trebuchet MS"/>
+                <a:latin typeface="Trebuchet MS" panose="020B0603020202020204"/>
                 <a:ea typeface="DejaVu Sans"/>
               </a:rPr>
               <a:t> </a:t>
             </a:r>
           </a:p>
           <a:p>
-            <a:pPr marL="344520" algn="just">
+            <a:pPr marL="344805" algn="just">
               <a:lnSpc>
                 <a:spcPct val="100000"/>
               </a:lnSpc>
@@ -9454,16 +9427,16 @@
                   <a:srgbClr val="FFFFFF"/>
                 </a:solidFill>
               </a:uFill>
-              <a:latin typeface="Trebuchet MS"/>
+              <a:latin typeface="Trebuchet MS" panose="020B0603020202020204"/>
               <a:ea typeface="DejaVu Sans"/>
             </a:endParaRPr>
           </a:p>
           <a:p>
-            <a:pPr marL="685800" indent="-341280" algn="just">
+            <a:pPr marL="685800" indent="-340995" algn="just">
               <a:buClr>
                 <a:srgbClr val="0000FF"/>
               </a:buClr>
-              <a:buFont typeface="Wingdings" charset="2"/>
+              <a:buFont typeface="Wingdings" panose="05000000000000000000" pitchFamily="2" charset="2"/>
               <a:buChar char=""/>
             </a:pPr>
             <a:r>
@@ -9645,11 +9618,11 @@
             </a:endParaRPr>
           </a:p>
           <a:p>
-            <a:pPr marL="685800" indent="-341280" algn="just">
+            <a:pPr marL="685800" indent="-340995" algn="just">
               <a:buClr>
                 <a:srgbClr val="0000FF"/>
               </a:buClr>
-              <a:buFont typeface="Wingdings" charset="2"/>
+              <a:buFont typeface="Wingdings" panose="05000000000000000000" pitchFamily="2" charset="2"/>
               <a:buChar char=""/>
             </a:pPr>
             <a:r>
@@ -9673,15 +9646,15 @@
                   <a:srgbClr val="FFFFFF"/>
                 </a:solidFill>
               </a:uFill>
-              <a:latin typeface="Arial"/>
-            </a:endParaRPr>
-          </a:p>
-          <a:p>
-            <a:pPr marL="685800" indent="-341280" algn="just">
+              <a:latin typeface="Arial" panose="020B0604020202020204"/>
+            </a:endParaRPr>
+          </a:p>
+          <a:p>
+            <a:pPr marL="685800" indent="-340995" algn="just">
               <a:buClr>
                 <a:srgbClr val="0000FF"/>
               </a:buClr>
-              <a:buFont typeface="Wingdings" charset="2"/>
+              <a:buFont typeface="Wingdings" panose="05000000000000000000" pitchFamily="2" charset="2"/>
               <a:buChar char=""/>
             </a:pPr>
             <a:endParaRPr lang="en-IN" sz="2200" b="0" strike="noStrike" spc="-1" dirty="0">
@@ -9693,18 +9666,18 @@
                   <a:srgbClr val="FFFFFF"/>
                 </a:solidFill>
               </a:uFill>
-              <a:latin typeface="Arial"/>
-            </a:endParaRPr>
-          </a:p>
-          <a:p>
-            <a:pPr marL="685800" indent="-341280" algn="just">
+              <a:latin typeface="Arial" panose="020B0604020202020204"/>
+            </a:endParaRPr>
+          </a:p>
+          <a:p>
+            <a:pPr marL="685800" indent="-340995" algn="just">
               <a:lnSpc>
                 <a:spcPct val="100000"/>
               </a:lnSpc>
               <a:buClr>
                 <a:srgbClr val="0000FF"/>
               </a:buClr>
-              <a:buFont typeface="Wingdings" charset="2"/>
+              <a:buFont typeface="Wingdings" panose="05000000000000000000" pitchFamily="2" charset="2"/>
               <a:buChar char=""/>
             </a:pPr>
             <a:endParaRPr lang="en-IN" sz="2200" b="0" strike="noStrike" spc="-1" dirty="0">
@@ -9716,7 +9689,7 @@
                   <a:srgbClr val="FFFFFF"/>
                 </a:solidFill>
               </a:uFill>
-              <a:latin typeface="Arial"/>
+              <a:latin typeface="Arial" panose="020B0604020202020204"/>
             </a:endParaRPr>
           </a:p>
           <a:p>
@@ -9734,7 +9707,7 @@
                   <a:srgbClr val="FFFFFF"/>
                 </a:solidFill>
               </a:uFill>
-              <a:latin typeface="Arial"/>
+              <a:latin typeface="Arial" panose="020B0604020202020204"/>
             </a:endParaRPr>
           </a:p>
           <a:p>
@@ -9752,7 +9725,7 @@
                   <a:srgbClr val="FFFFFF"/>
                 </a:solidFill>
               </a:uFill>
-              <a:latin typeface="Arial"/>
+              <a:latin typeface="Arial" panose="020B0604020202020204"/>
             </a:endParaRPr>
           </a:p>
         </p:txBody>
@@ -9762,33 +9735,6 @@
   <p:clrMapOvr>
     <a:masterClrMapping/>
   </p:clrMapOvr>
-  <p:timing>
-    <p:tnLst>
-      <p:par>
-        <p:cTn id="1" dur="indefinite" restart="never" nodeType="tmRoot">
-          <p:childTnLst>
-            <p:seq>
-              <p:cTn id="2" nodeType="mainSeq"/>
-              <p:prevCondLst>
-                <p:cond evt="onPrev" delay="0">
-                  <p:tgtEl>
-                    <p:sldTgt/>
-                  </p:tgtEl>
-                </p:cond>
-              </p:prevCondLst>
-              <p:nextCondLst>
-                <p:cond evt="onNext" delay="0">
-                  <p:tgtEl>
-                    <p:sldTgt/>
-                  </p:tgtEl>
-                </p:cond>
-              </p:nextCondLst>
-            </p:seq>
-          </p:childTnLst>
-        </p:cTn>
-      </p:par>
-    </p:tnLst>
-  </p:timing>
 </p:sld>
 </file>
 
@@ -9878,7 +9824,7 @@
           <a:bodyPr lIns="90000" tIns="45000" rIns="90000" bIns="45000"/>
           <a:lstStyle/>
           <a:p>
-            <a:pPr marL="343080" indent="-341280" algn="r">
+            <a:pPr marL="342900" indent="-340995" algn="r">
               <a:lnSpc>
                 <a:spcPct val="100000"/>
               </a:lnSpc>
@@ -9893,8 +9839,8 @@
                     <a:srgbClr val="FFFFFF"/>
                   </a:solidFill>
                 </a:uFill>
-                <a:latin typeface="Trebuchet MS"/>
-                <a:ea typeface="Trebuchet MS"/>
+                <a:latin typeface="Trebuchet MS" panose="020B0603020202020204"/>
+                <a:ea typeface="Trebuchet MS" panose="020B0603020202020204"/>
               </a:rPr>
               <a:t>System Design</a:t>
             </a:r>
@@ -9907,7 +9853,7 @@
                   <a:srgbClr val="FFFFFF"/>
                 </a:solidFill>
               </a:uFill>
-              <a:latin typeface="Arial"/>
+              <a:latin typeface="Arial" panose="020B0604020202020204"/>
             </a:endParaRPr>
           </a:p>
         </p:txBody>
@@ -9962,8 +9908,8 @@
                     <a:srgbClr val="FFFFFF"/>
                   </a:solidFill>
                 </a:uFill>
-                <a:latin typeface="Trebuchet MS"/>
-                <a:ea typeface="Trebuchet MS"/>
+                <a:latin typeface="Trebuchet MS" panose="020B0603020202020204"/>
+                <a:ea typeface="Trebuchet MS" panose="020B0603020202020204"/>
               </a:rPr>
               <a:t>	</a:t>
             </a:r>
@@ -9976,7 +9922,7 @@
                   <a:srgbClr val="FFFFFF"/>
                 </a:solidFill>
               </a:uFill>
-              <a:latin typeface="Arial"/>
+              <a:latin typeface="Arial" panose="020B0604020202020204"/>
             </a:endParaRPr>
           </a:p>
           <a:p>
@@ -9994,7 +9940,7 @@
                   <a:srgbClr val="FFFFFF"/>
                 </a:solidFill>
               </a:uFill>
-              <a:latin typeface="Arial"/>
+              <a:latin typeface="Arial" panose="020B0604020202020204"/>
             </a:endParaRPr>
           </a:p>
           <a:p>
@@ -10012,7 +9958,7 @@
                   <a:srgbClr val="FFFFFF"/>
                 </a:solidFill>
               </a:uFill>
-              <a:latin typeface="Arial"/>
+              <a:latin typeface="Arial" panose="020B0604020202020204"/>
             </a:endParaRPr>
           </a:p>
           <a:p>
@@ -10030,7 +9976,7 @@
                   <a:srgbClr val="FFFFFF"/>
                 </a:solidFill>
               </a:uFill>
-              <a:latin typeface="Arial"/>
+              <a:latin typeface="Arial" panose="020B0604020202020204"/>
             </a:endParaRPr>
           </a:p>
           <a:p>
@@ -10048,7 +9994,7 @@
                   <a:srgbClr val="FFFFFF"/>
                 </a:solidFill>
               </a:uFill>
-              <a:latin typeface="Arial"/>
+              <a:latin typeface="Arial" panose="020B0604020202020204"/>
             </a:endParaRPr>
           </a:p>
           <a:p>
@@ -10066,41 +10012,29 @@
                   <a:srgbClr val="FFFFFF"/>
                 </a:solidFill>
               </a:uFill>
-              <a:latin typeface="Arial"/>
+              <a:latin typeface="Arial" panose="020B0604020202020204"/>
             </a:endParaRPr>
           </a:p>
         </p:txBody>
       </p:sp>
       <p:pic>
         <p:nvPicPr>
-          <p:cNvPr id="3" name="Picture 2" descr="Diagram&#10;&#10;Description automatically generated">
-            <a:extLst>
-              <a:ext uri="{FF2B5EF4-FFF2-40B4-BE49-F238E27FC236}">
-                <a16:creationId xmlns:a16="http://schemas.microsoft.com/office/drawing/2014/main" id="{546325F7-3EB9-414D-BAF6-0D950CB2C6E7}"/>
-              </a:ext>
-            </a:extLst>
-          </p:cNvPr>
+          <p:cNvPr id="2" name="Picture 1" descr="project (1)"/>
           <p:cNvPicPr>
             <a:picLocks noChangeAspect="1"/>
           </p:cNvPicPr>
           <p:nvPr/>
         </p:nvPicPr>
         <p:blipFill>
-          <a:blip r:embed="rId2">
-            <a:extLst>
-              <a:ext uri="{28A0092B-C50C-407E-A947-70E740481C1C}">
-                <a14:useLocalDpi xmlns:a14="http://schemas.microsoft.com/office/drawing/2010/main" val="0"/>
-              </a:ext>
-            </a:extLst>
-          </a:blip>
+          <a:blip r:embed="rId2"/>
           <a:stretch>
             <a:fillRect/>
           </a:stretch>
         </p:blipFill>
         <p:spPr>
           <a:xfrm>
-            <a:off x="73656" y="1615680"/>
-            <a:ext cx="8825948" cy="4586290"/>
+            <a:off x="1931035" y="1615440"/>
+            <a:ext cx="5281930" cy="4916805"/>
           </a:xfrm>
           <a:prstGeom prst="rect">
             <a:avLst/>
@@ -10112,33 +10046,6 @@
   <p:clrMapOvr>
     <a:masterClrMapping/>
   </p:clrMapOvr>
-  <p:timing>
-    <p:tnLst>
-      <p:par>
-        <p:cTn id="1" dur="indefinite" restart="never" nodeType="tmRoot">
-          <p:childTnLst>
-            <p:seq>
-              <p:cTn id="2" nodeType="mainSeq"/>
-              <p:prevCondLst>
-                <p:cond evt="onPrev" delay="0">
-                  <p:tgtEl>
-                    <p:sldTgt/>
-                  </p:tgtEl>
-                </p:cond>
-              </p:prevCondLst>
-              <p:nextCondLst>
-                <p:cond evt="onNext" delay="0">
-                  <p:tgtEl>
-                    <p:sldTgt/>
-                  </p:tgtEl>
-                </p:cond>
-              </p:nextCondLst>
-            </p:seq>
-          </p:childTnLst>
-        </p:cTn>
-      </p:par>
-    </p:tnLst>
-  </p:timing>
 </p:sld>
 </file>
 
@@ -10228,7 +10135,7 @@
           <a:bodyPr lIns="90000" tIns="45000" rIns="90000" bIns="45000"/>
           <a:lstStyle/>
           <a:p>
-            <a:pPr marL="343080" indent="-341280" algn="r">
+            <a:pPr marL="342900" indent="-340995" algn="r">
               <a:lnSpc>
                 <a:spcPct val="100000"/>
               </a:lnSpc>
@@ -10243,8 +10150,8 @@
                     <a:srgbClr val="FFFFFF"/>
                   </a:solidFill>
                 </a:uFill>
-                <a:latin typeface="Trebuchet MS"/>
-                <a:ea typeface="Trebuchet MS"/>
+                <a:latin typeface="Trebuchet MS" panose="020B0603020202020204"/>
+                <a:ea typeface="Trebuchet MS" panose="020B0603020202020204"/>
               </a:rPr>
               <a:t>Technologies Used</a:t>
             </a:r>
@@ -10257,7 +10164,7 @@
                   <a:srgbClr val="FFFFFF"/>
                 </a:solidFill>
               </a:uFill>
-              <a:latin typeface="Arial"/>
+              <a:latin typeface="Arial" panose="020B0604020202020204"/>
             </a:endParaRPr>
           </a:p>
         </p:txBody>
@@ -10311,20 +10218,14 @@
                   <a:srgbClr val="FFFFFF"/>
                 </a:solidFill>
               </a:uFill>
-              <a:latin typeface="Arial"/>
-            </a:endParaRPr>
-          </a:p>
-        </p:txBody>
-      </p:sp>
-      <p:sp>
-        <p:nvSpPr>
-          <p:cNvPr id="3" name="Text Placeholder 2">
-            <a:extLst>
-              <a:ext uri="{FF2B5EF4-FFF2-40B4-BE49-F238E27FC236}">
-                <a16:creationId xmlns:a16="http://schemas.microsoft.com/office/drawing/2014/main" id="{E9982D54-CA6E-4302-AE2D-B1ECE7CE6B26}"/>
-              </a:ext>
-            </a:extLst>
-          </p:cNvPr>
+              <a:latin typeface="Arial" panose="020B0604020202020204"/>
+            </a:endParaRPr>
+          </a:p>
+        </p:txBody>
+      </p:sp>
+      <p:sp>
+        <p:nvSpPr>
+          <p:cNvPr id="3" name="Text Placeholder 2"/>
           <p:cNvSpPr>
             <a:spLocks noGrp="1"/>
           </p:cNvSpPr>
@@ -10343,160 +10244,160 @@
           <a:lstStyle/>
           <a:p>
             <a:r>
-              <a:rPr lang="en-IN" sz="1800" b="1" dirty="0"/>
+              <a:rPr lang="en-IN" sz="1900" b="1" dirty="0"/>
               <a:t>Node.js                              :</a:t>
             </a:r>
             <a:r>
-              <a:rPr lang="en-IN" sz="1800" dirty="0"/>
+              <a:rPr lang="en-IN" sz="1900" dirty="0"/>
               <a:t>  For Creating the server instance</a:t>
             </a:r>
           </a:p>
           <a:p>
             <a:r>
-              <a:rPr lang="en-IN" sz="1800" b="1" dirty="0"/>
+              <a:rPr lang="en-IN" sz="1900" b="1" dirty="0"/>
               <a:t>Express/HTML                  :  </a:t>
             </a:r>
             <a:r>
-              <a:rPr lang="en-IN" sz="1800" dirty="0"/>
+              <a:rPr lang="en-IN" sz="1900" dirty="0"/>
               <a:t>For designing the frontend </a:t>
             </a:r>
           </a:p>
           <a:p>
             <a:r>
-              <a:rPr lang="en-IN" sz="1800" b="1" dirty="0" err="1"/>
+              <a:rPr lang="en-IN" sz="1900" b="1" dirty="0" err="1"/>
               <a:t>localtunnel</a:t>
             </a:r>
             <a:r>
-              <a:rPr lang="en-IN" sz="1800" b="1" dirty="0"/>
+              <a:rPr lang="en-IN" sz="1900" b="1" dirty="0"/>
               <a:t> </a:t>
             </a:r>
             <a:r>
-              <a:rPr lang="en-IN" sz="1800" b="1" dirty="0" err="1"/>
+              <a:rPr lang="en-IN" sz="1900" b="1" dirty="0" err="1"/>
               <a:t>npm</a:t>
             </a:r>
             <a:r>
-              <a:rPr lang="en-IN" sz="1800" b="1" dirty="0"/>
+              <a:rPr lang="en-IN" sz="1900" b="1" dirty="0"/>
               <a:t> module  : </a:t>
             </a:r>
             <a:r>
-              <a:rPr lang="en-IN" sz="1800" dirty="0"/>
+              <a:rPr lang="en-IN" sz="1900" dirty="0"/>
               <a:t>To expose the server to internet </a:t>
             </a:r>
-            <a:endParaRPr lang="en-IN" sz="1800" b="1" dirty="0"/>
-          </a:p>
-          <a:p>
-            <a:r>
-              <a:rPr lang="en-IN" sz="1800" b="1" dirty="0"/>
+            <a:endParaRPr lang="en-IN" sz="1900" b="1" dirty="0"/>
+          </a:p>
+          <a:p>
+            <a:r>
+              <a:rPr lang="en-IN" sz="1900" b="1" dirty="0"/>
               <a:t>Python                               :  </a:t>
             </a:r>
             <a:r>
-              <a:rPr lang="en-IN" sz="1800" dirty="0"/>
+              <a:rPr lang="en-IN" sz="1900" dirty="0"/>
               <a:t>Major Programming language used</a:t>
             </a:r>
-            <a:endParaRPr lang="en-IN" sz="1800" b="1" dirty="0"/>
-          </a:p>
-          <a:p>
-            <a:r>
-              <a:rPr lang="en-IN" sz="1800" b="1" dirty="0"/>
-              <a:t>free-proxy-list.net	    :  </a:t>
-            </a:r>
-            <a:r>
-              <a:rPr lang="en-IN" sz="1800" dirty="0"/>
-              <a:t>For generating traffic which seems to originate 			       from different locations</a:t>
-            </a:r>
-            <a:endParaRPr lang="en-IN" sz="1800" b="1" dirty="0"/>
-          </a:p>
-          <a:p>
-            <a:r>
-              <a:rPr lang="en-IN" sz="1800" b="1" dirty="0"/>
-              <a:t>Packet-Sender                  :   </a:t>
-            </a:r>
-            <a:r>
-              <a:rPr lang="en-IN" sz="1800" dirty="0"/>
+            <a:endParaRPr lang="en-IN" sz="1900" b="1" dirty="0"/>
+          </a:p>
+          <a:p>
+            <a:r>
+              <a:rPr lang="en-IN" sz="1900" b="1" dirty="0"/>
+              <a:t>free-proxy-list.net	  :  </a:t>
+            </a:r>
+            <a:r>
+              <a:rPr lang="en-IN" sz="1900" dirty="0"/>
+              <a:t>For generating traffic which seems to originate 			     from different locations</a:t>
+            </a:r>
+            <a:endParaRPr lang="en-IN" sz="1900" b="1" dirty="0"/>
+          </a:p>
+          <a:p>
+            <a:r>
+              <a:rPr lang="en-IN" sz="1900" b="1" dirty="0"/>
+              <a:t>Packet-Sender                  :  </a:t>
+            </a:r>
+            <a:r>
+              <a:rPr lang="en-IN" sz="1900" dirty="0"/>
               <a:t>A free tool for generating traffic</a:t>
             </a:r>
-            <a:endParaRPr lang="en-IN" sz="1800" b="1" dirty="0"/>
-          </a:p>
-          <a:p>
-            <a:r>
-              <a:rPr lang="en-IN" sz="1800" b="1" dirty="0" err="1"/>
+            <a:endParaRPr lang="en-IN" sz="1900" b="1" dirty="0"/>
+          </a:p>
+          <a:p>
+            <a:r>
+              <a:rPr lang="en-IN" sz="1900" b="1" dirty="0" err="1"/>
               <a:t>Tshark</a:t>
             </a:r>
             <a:r>
-              <a:rPr lang="en-IN" sz="1800" b="1" dirty="0"/>
+              <a:rPr lang="en-IN" sz="1900" b="1" dirty="0"/>
               <a:t>                                :  </a:t>
             </a:r>
             <a:r>
-              <a:rPr lang="en-IN" sz="1800" dirty="0"/>
+              <a:rPr lang="en-IN" sz="1900" dirty="0"/>
               <a:t>Packet sniffer used to capture network traffic</a:t>
             </a:r>
-            <a:endParaRPr lang="en-IN" sz="1800" b="1" dirty="0"/>
-          </a:p>
-          <a:p>
-            <a:r>
-              <a:rPr lang="en-IN" sz="1800" b="1" dirty="0"/>
-              <a:t>Wireshark	                  :  </a:t>
-            </a:r>
-            <a:r>
-              <a:rPr lang="en-IN" sz="1800" dirty="0"/>
-              <a:t>Wireshark was used during the development of                                                         		                      the project.</a:t>
-            </a:r>
-            <a:endParaRPr lang="en-IN" sz="1800" b="1" dirty="0"/>
-          </a:p>
-          <a:p>
-            <a:r>
-              <a:rPr lang="en-IN" sz="1800" b="1" dirty="0"/>
+            <a:endParaRPr lang="en-IN" sz="1900" b="1" dirty="0"/>
+          </a:p>
+          <a:p>
+            <a:r>
+              <a:rPr lang="en-IN" sz="1900" b="1" dirty="0"/>
+              <a:t>Wireshark	                :  </a:t>
+            </a:r>
+            <a:r>
+              <a:rPr lang="en-IN" sz="1900" dirty="0"/>
+              <a:t>Wireshark was used during the development of                                                         		                   the project.</a:t>
+            </a:r>
+            <a:endParaRPr lang="en-IN" sz="1900" b="1" dirty="0"/>
+          </a:p>
+          <a:p>
+            <a:r>
+              <a:rPr lang="en-IN" sz="1900" b="1" dirty="0"/>
               <a:t>Bash                                   :  </a:t>
             </a:r>
             <a:r>
-              <a:rPr lang="en-IN" sz="1800" dirty="0"/>
+              <a:rPr lang="en-IN" sz="1900" dirty="0"/>
               <a:t>Used to automate execution of some scripts </a:t>
             </a:r>
-            <a:endParaRPr lang="en-IN" sz="1800" b="1" dirty="0"/>
-          </a:p>
-          <a:p>
-            <a:r>
-              <a:rPr lang="en-IN" sz="1800" b="1" dirty="0" err="1"/>
+            <a:endParaRPr lang="en-IN" sz="1900" b="1" dirty="0"/>
+          </a:p>
+          <a:p>
+            <a:r>
+              <a:rPr lang="en-IN" sz="1900" b="1" dirty="0" err="1"/>
               <a:t>Scapy</a:t>
             </a:r>
             <a:r>
-              <a:rPr lang="en-IN" sz="1800" b="1" dirty="0"/>
+              <a:rPr lang="en-IN" sz="1900" b="1" dirty="0"/>
               <a:t>                                 :  </a:t>
             </a:r>
             <a:r>
-              <a:rPr lang="en-IN" sz="1800" dirty="0"/>
+              <a:rPr lang="en-IN" sz="1900" dirty="0"/>
               <a:t>Used to process the capture file &amp; extract data </a:t>
             </a:r>
             <a:r>
-              <a:rPr lang="en-IN" sz="1800" b="1" dirty="0"/>
+              <a:rPr lang="en-IN" sz="1900" b="1" dirty="0"/>
               <a:t>    </a:t>
             </a:r>
           </a:p>
           <a:p>
             <a:r>
-              <a:rPr lang="en-IN" sz="1800" b="1" dirty="0"/>
+              <a:rPr lang="en-IN" sz="1900" b="1" dirty="0"/>
               <a:t>ip-api.com                          :  </a:t>
             </a:r>
             <a:r>
-              <a:rPr lang="en-IN" sz="1800" dirty="0"/>
+              <a:rPr lang="en-IN" sz="1900" dirty="0"/>
               <a:t>API used to get geolocation from IPv4 address</a:t>
             </a:r>
-            <a:endParaRPr lang="en-IN" sz="1800" b="1" dirty="0"/>
-          </a:p>
-          <a:p>
-            <a:r>
-              <a:rPr lang="en-IN" sz="1800" b="1" dirty="0" err="1"/>
+            <a:endParaRPr lang="en-IN" sz="1900" b="1" dirty="0"/>
+          </a:p>
+          <a:p>
+            <a:r>
+              <a:rPr lang="en-IN" sz="1900" b="1" dirty="0" err="1"/>
               <a:t>Plotly</a:t>
             </a:r>
             <a:r>
-              <a:rPr lang="en-IN" sz="1800" b="1" dirty="0"/>
+              <a:rPr lang="en-IN" sz="1900" b="1" dirty="0"/>
               <a:t>                                  :  </a:t>
             </a:r>
             <a:r>
-              <a:rPr lang="en-IN" sz="1800" dirty="0"/>
+              <a:rPr lang="en-IN" sz="1900" dirty="0"/>
               <a:t>Python library used to make interactive graphs</a:t>
             </a:r>
-            <a:endParaRPr lang="en-IN" sz="1800" b="1" dirty="0"/>
+            <a:endParaRPr lang="en-IN" sz="1900" b="1" dirty="0"/>
           </a:p>
         </p:txBody>
       </p:sp>
@@ -10505,33 +10406,6 @@
   <p:clrMapOvr>
     <a:masterClrMapping/>
   </p:clrMapOvr>
-  <p:timing>
-    <p:tnLst>
-      <p:par>
-        <p:cTn id="1" dur="indefinite" restart="never" nodeType="tmRoot">
-          <p:childTnLst>
-            <p:seq>
-              <p:cTn id="2" nodeType="mainSeq"/>
-              <p:prevCondLst>
-                <p:cond evt="onPrev" delay="0">
-                  <p:tgtEl>
-                    <p:sldTgt/>
-                  </p:tgtEl>
-                </p:cond>
-              </p:prevCondLst>
-              <p:nextCondLst>
-                <p:cond evt="onNext" delay="0">
-                  <p:tgtEl>
-                    <p:sldTgt/>
-                  </p:tgtEl>
-                </p:cond>
-              </p:nextCondLst>
-            </p:seq>
-          </p:childTnLst>
-        </p:cTn>
-      </p:par>
-    </p:tnLst>
-  </p:timing>
 </p:sld>
 </file>
 
@@ -10621,7 +10495,7 @@
           <a:bodyPr lIns="90000" tIns="45000" rIns="90000" bIns="45000"/>
           <a:lstStyle/>
           <a:p>
-            <a:pPr marL="343080" indent="-341280" algn="r">
+            <a:pPr marL="342900" indent="-340995" algn="r">
               <a:lnSpc>
                 <a:spcPct val="100000"/>
               </a:lnSpc>
@@ -10636,8 +10510,8 @@
                     <a:srgbClr val="FFFFFF"/>
                   </a:solidFill>
                 </a:uFill>
-                <a:latin typeface="Trebuchet MS"/>
-                <a:ea typeface="Trebuchet MS"/>
+                <a:latin typeface="Trebuchet MS" panose="020B0603020202020204"/>
+                <a:ea typeface="Trebuchet MS" panose="020B0603020202020204"/>
               </a:rPr>
               <a:t>Project Progress so far</a:t>
             </a:r>
@@ -10650,20 +10524,14 @@
                   <a:srgbClr val="FFFFFF"/>
                 </a:solidFill>
               </a:uFill>
-              <a:latin typeface="Arial"/>
-            </a:endParaRPr>
-          </a:p>
-        </p:txBody>
-      </p:sp>
-      <p:sp>
-        <p:nvSpPr>
-          <p:cNvPr id="3" name="Text Placeholder 2">
-            <a:extLst>
-              <a:ext uri="{FF2B5EF4-FFF2-40B4-BE49-F238E27FC236}">
-                <a16:creationId xmlns:a16="http://schemas.microsoft.com/office/drawing/2014/main" id="{40212E86-2E4A-4273-BC7B-6B6E878D2ECA}"/>
-              </a:ext>
-            </a:extLst>
-          </p:cNvPr>
+              <a:latin typeface="Arial" panose="020B0604020202020204"/>
+            </a:endParaRPr>
+          </a:p>
+        </p:txBody>
+      </p:sp>
+      <p:sp>
+        <p:nvSpPr>
+          <p:cNvPr id="3" name="Text Placeholder 2"/>
           <p:cNvSpPr>
             <a:spLocks noGrp="1"/>
           </p:cNvSpPr>
@@ -10673,7 +10541,7 @@
         </p:nvSpPr>
         <p:spPr>
           <a:xfrm>
-            <a:off x="457380" y="1837785"/>
+            <a:off x="457380" y="1753810"/>
             <a:ext cx="8229240" cy="4341482"/>
           </a:xfrm>
         </p:spPr>
@@ -10681,8 +10549,12 @@
           <a:bodyPr/>
           <a:lstStyle/>
           <a:p>
-            <a:r>
-              <a:rPr lang="en-IN" sz="2700" dirty="0">
+            <a:pPr marL="457200" indent="-457200">
+              <a:buFont typeface="Arial" panose="020B0604020202020204" pitchFamily="34" charset="0"/>
+              <a:buChar char="•"/>
+            </a:pPr>
+            <a:r>
+              <a:rPr lang="en-IN" sz="2600" dirty="0">
                 <a:solidFill>
                   <a:srgbClr val="002060"/>
                 </a:solidFill>
@@ -10691,8 +10563,19 @@
             </a:r>
           </a:p>
           <a:p>
-            <a:r>
-              <a:rPr lang="en-IN" sz="2700" dirty="0">
+            <a:endParaRPr lang="en-IN" sz="2600" dirty="0">
+              <a:solidFill>
+                <a:srgbClr val="002060"/>
+              </a:solidFill>
+            </a:endParaRPr>
+          </a:p>
+          <a:p>
+            <a:pPr marL="457200" indent="-457200">
+              <a:buFont typeface="Arial" panose="020B0604020202020204" pitchFamily="34" charset="0"/>
+              <a:buChar char="•"/>
+            </a:pPr>
+            <a:r>
+              <a:rPr lang="en-IN" sz="2600" dirty="0">
                 <a:solidFill>
                   <a:srgbClr val="002060"/>
                 </a:solidFill>
@@ -10701,8 +10584,19 @@
             </a:r>
           </a:p>
           <a:p>
-            <a:r>
-              <a:rPr lang="en-IN" sz="2700" dirty="0">
+            <a:endParaRPr lang="en-IN" sz="2600" dirty="0">
+              <a:solidFill>
+                <a:srgbClr val="002060"/>
+              </a:solidFill>
+            </a:endParaRPr>
+          </a:p>
+          <a:p>
+            <a:pPr marL="457200" indent="-457200">
+              <a:buFont typeface="Arial" panose="020B0604020202020204" pitchFamily="34" charset="0"/>
+              <a:buChar char="•"/>
+            </a:pPr>
+            <a:r>
+              <a:rPr lang="en-IN" sz="2600" dirty="0">
                 <a:solidFill>
                   <a:srgbClr val="002060"/>
                 </a:solidFill>
@@ -10711,8 +10605,19 @@
             </a:r>
           </a:p>
           <a:p>
-            <a:r>
-              <a:rPr lang="en-IN" sz="2700" dirty="0">
+            <a:endParaRPr lang="en-IN" sz="2600" dirty="0">
+              <a:solidFill>
+                <a:srgbClr val="002060"/>
+              </a:solidFill>
+            </a:endParaRPr>
+          </a:p>
+          <a:p>
+            <a:pPr marL="457200" indent="-457200">
+              <a:buFont typeface="Arial" panose="020B0604020202020204" pitchFamily="34" charset="0"/>
+              <a:buChar char="•"/>
+            </a:pPr>
+            <a:r>
+              <a:rPr lang="en-IN" sz="2600" dirty="0">
                 <a:solidFill>
                   <a:srgbClr val="002060"/>
                 </a:solidFill>
@@ -10728,7 +10633,7 @@
                   <a:srgbClr val="002060"/>
                 </a:solidFill>
               </a:rPr>
-              <a:t> A bar chart showing number of requests from each country</a:t>
+              <a:t>  	A bar chart showing number of requests from each country</a:t>
             </a:r>
           </a:p>
           <a:p>
@@ -10739,7 +10644,7 @@
                   <a:srgbClr val="002060"/>
                 </a:solidFill>
               </a:rPr>
-              <a:t>A globe map of traffic sources</a:t>
+              <a:t>	A globe map of traffic sources</a:t>
             </a:r>
           </a:p>
         </p:txBody>
@@ -10749,33 +10654,6 @@
   <p:clrMapOvr>
     <a:masterClrMapping/>
   </p:clrMapOvr>
-  <p:timing>
-    <p:tnLst>
-      <p:par>
-        <p:cTn id="1" dur="indefinite" restart="never" nodeType="tmRoot">
-          <p:childTnLst>
-            <p:seq>
-              <p:cTn id="2" nodeType="mainSeq"/>
-              <p:prevCondLst>
-                <p:cond evt="onPrev" delay="0">
-                  <p:tgtEl>
-                    <p:sldTgt/>
-                  </p:tgtEl>
-                </p:cond>
-              </p:prevCondLst>
-              <p:nextCondLst>
-                <p:cond evt="onNext" delay="0">
-                  <p:tgtEl>
-                    <p:sldTgt/>
-                  </p:tgtEl>
-                </p:cond>
-              </p:nextCondLst>
-            </p:seq>
-          </p:childTnLst>
-        </p:cTn>
-      </p:par>
-    </p:tnLst>
-  </p:timing>
 </p:sld>
 </file>
 
@@ -10842,7 +10720,7 @@
                     <a:srgbClr val="FFFFFF"/>
                   </a:solidFill>
                 </a:uFill>
-                <a:latin typeface="Trebuchet MS"/>
+                <a:latin typeface="Trebuchet MS" panose="020B0603020202020204"/>
               </a:rPr>
               <a:t>Recently NEET result was out and like every year the server was down within minutes . The total number of candidates which appeared for NEET was more than 15 lakhs . But all of these students are not distributed equally in the country. The number of students in each state vary. So we could try to reduce the problem of servers crashing by analysing from which regions the traffic is more and using this </a:t>
             </a:r>
@@ -10856,7 +10734,7 @@
                     <a:srgbClr val="FFFFFF"/>
                   </a:solidFill>
                 </a:uFill>
-                <a:latin typeface="Trebuchet MS"/>
+                <a:latin typeface="Trebuchet MS" panose="020B0603020202020204"/>
               </a:rPr>
               <a:t>data, </a:t>
             </a:r>
@@ -10870,7 +10748,7 @@
                     <a:srgbClr val="FFFFFF"/>
                   </a:solidFill>
                 </a:uFill>
-                <a:latin typeface="Trebuchet MS"/>
+                <a:latin typeface="Trebuchet MS" panose="020B0603020202020204"/>
               </a:rPr>
               <a:t>edge servers could be set up in such regions.</a:t>
             </a:r>
@@ -10887,7 +10765,7 @@
                     <a:srgbClr val="FFFFFF"/>
                   </a:solidFill>
                 </a:uFill>
-                <a:latin typeface="Trebuchet MS"/>
+                <a:latin typeface="Trebuchet MS" panose="020B0603020202020204"/>
               </a:rPr>
               <a:t> </a:t>
             </a:r>
@@ -10900,8 +10778,8 @@
                   <a:srgbClr val="FFFFFF"/>
                 </a:solidFill>
               </a:uFill>
-              <a:latin typeface="Trebuchet MS"/>
-              <a:ea typeface="Trebuchet MS"/>
+              <a:latin typeface="Trebuchet MS" panose="020B0603020202020204"/>
+              <a:ea typeface="Trebuchet MS" panose="020B0603020202020204"/>
             </a:endParaRPr>
           </a:p>
           <a:p>
@@ -10920,8 +10798,8 @@
                     <a:srgbClr val="FFFFFF"/>
                   </a:solidFill>
                 </a:uFill>
-                <a:latin typeface="Trebuchet MS"/>
-                <a:ea typeface="Trebuchet MS"/>
+                <a:latin typeface="Trebuchet MS" panose="020B0603020202020204"/>
+                <a:ea typeface="Trebuchet MS" panose="020B0603020202020204"/>
               </a:rPr>
               <a:t>     </a:t>
             </a:r>
@@ -10942,8 +10820,8 @@
                     <a:srgbClr val="FFFFFF"/>
                   </a:solidFill>
                 </a:uFill>
-                <a:latin typeface="Trebuchet MS"/>
-                <a:ea typeface="Trebuchet MS"/>
+                <a:latin typeface="Trebuchet MS" panose="020B0603020202020204"/>
+                <a:ea typeface="Trebuchet MS" panose="020B0603020202020204"/>
               </a:rPr>
               <a:t>Thank You</a:t>
             </a:r>
@@ -10963,20 +10841,14 @@
                   <a:srgbClr val="FFFFFF"/>
                 </a:solidFill>
               </a:uFill>
-              <a:latin typeface="Arial"/>
-            </a:endParaRPr>
-          </a:p>
-        </p:txBody>
-      </p:sp>
-      <p:sp>
-        <p:nvSpPr>
-          <p:cNvPr id="2" name="Title 1">
-            <a:extLst>
-              <a:ext uri="{FF2B5EF4-FFF2-40B4-BE49-F238E27FC236}">
-                <a16:creationId xmlns:a16="http://schemas.microsoft.com/office/drawing/2014/main" id="{4EE13CC6-5B57-44C9-B2FF-E5071901ACA1}"/>
-              </a:ext>
-            </a:extLst>
-          </p:cNvPr>
+              <a:latin typeface="Arial" panose="020B0604020202020204"/>
+            </a:endParaRPr>
+          </a:p>
+        </p:txBody>
+      </p:sp>
+      <p:sp>
+        <p:nvSpPr>
+          <p:cNvPr id="2" name="Title 1"/>
           <p:cNvSpPr>
             <a:spLocks noGrp="1"/>
           </p:cNvSpPr>
@@ -11011,33 +10883,6 @@
   <p:clrMapOvr>
     <a:masterClrMapping/>
   </p:clrMapOvr>
-  <p:timing>
-    <p:tnLst>
-      <p:par>
-        <p:cTn id="1" dur="indefinite" restart="never" nodeType="tmRoot">
-          <p:childTnLst>
-            <p:seq>
-              <p:cTn id="2" nodeType="mainSeq"/>
-              <p:prevCondLst>
-                <p:cond evt="onPrev" delay="0">
-                  <p:tgtEl>
-                    <p:sldTgt/>
-                  </p:tgtEl>
-                </p:cond>
-              </p:prevCondLst>
-              <p:nextCondLst>
-                <p:cond evt="onNext" delay="0">
-                  <p:tgtEl>
-                    <p:sldTgt/>
-                  </p:tgtEl>
-                </p:cond>
-              </p:nextCondLst>
-            </p:seq>
-          </p:childTnLst>
-        </p:cTn>
-      </p:par>
-    </p:tnLst>
-  </p:timing>
 </p:sld>
 </file>
 
@@ -11263,6 +11108,11 @@
   </a:themeElements>
   <a:objectDefaults/>
   <a:extraClrSchemeLst/>
+  <a:extLst>
+    <a:ext uri="{05A4C25C-085E-4340-85A3-A5531E510DB2}">
+      <thm15:themeFamily xmlns:thm15="http://schemas.microsoft.com/office/thememl/2012/main" name="Office Theme" id="{62F939B6-93AF-4DB8-9C6B-D6C7DFDC589F}" vid="{4A3C46E8-61CC-4603-A589-7422A47A8E4A}"/>
+    </a:ext>
+  </a:extLst>
 </a:theme>
 </file>
 
@@ -11488,6 +11338,11 @@
   </a:themeElements>
   <a:objectDefaults/>
   <a:extraClrSchemeLst/>
+  <a:extLst>
+    <a:ext uri="{05A4C25C-085E-4340-85A3-A5531E510DB2}">
+      <thm15:themeFamily xmlns:thm15="http://schemas.microsoft.com/office/thememl/2012/main" name="Office Theme" id="{62F939B6-93AF-4DB8-9C6B-D6C7DFDC589F}" vid="{4A3C46E8-61CC-4603-A589-7422A47A8E4A}"/>
+    </a:ext>
+  </a:extLst>
 </a:theme>
 </file>
 
@@ -11713,6 +11568,11 @@
   </a:themeElements>
   <a:objectDefaults/>
   <a:extraClrSchemeLst/>
+  <a:extLst>
+    <a:ext uri="{05A4C25C-085E-4340-85A3-A5531E510DB2}">
+      <thm15:themeFamily xmlns:thm15="http://schemas.microsoft.com/office/thememl/2012/main" name="Office Theme" id="{62F939B6-93AF-4DB8-9C6B-D6C7DFDC589F}" vid="{4A3C46E8-61CC-4603-A589-7422A47A8E4A}"/>
+    </a:ext>
+  </a:extLst>
 </a:theme>
 </file>
 
@@ -11938,5 +11798,10 @@
   </a:themeElements>
   <a:objectDefaults/>
   <a:extraClrSchemeLst/>
+  <a:extLst>
+    <a:ext uri="{05A4C25C-085E-4340-85A3-A5531E510DB2}">
+      <thm15:themeFamily xmlns:thm15="http://schemas.microsoft.com/office/thememl/2012/main" name="Office Theme" id="{62F939B6-93AF-4DB8-9C6B-D6C7DFDC589F}" vid="{4A3C46E8-61CC-4603-A589-7422A47A8E4A}"/>
+    </a:ext>
+  </a:extLst>
 </a:theme>
 </file>